--- a/doc/Rush-B.pptx
+++ b/doc/Rush-B.pptx
@@ -5,14 +5,19 @@
     <p:sldMasterId id="2147483648" r:id="rId4"/>
   </p:sldMasterIdLst>
   <p:notesMasterIdLst>
-    <p:notesMasterId r:id="rId7"/>
+    <p:notesMasterId r:id="rId12"/>
   </p:notesMasterIdLst>
   <p:handoutMasterIdLst>
-    <p:handoutMasterId r:id="rId8"/>
+    <p:handoutMasterId r:id="rId13"/>
   </p:handoutMasterIdLst>
   <p:sldIdLst>
     <p:sldId id="257" r:id="rId5"/>
     <p:sldId id="258" r:id="rId6"/>
+    <p:sldId id="259" r:id="rId7"/>
+    <p:sldId id="260" r:id="rId8"/>
+    <p:sldId id="261" r:id="rId9"/>
+    <p:sldId id="262" r:id="rId10"/>
+    <p:sldId id="263" r:id="rId11"/>
   </p:sldIdLst>
   <p:sldSz cx="9144000" cy="6858000" type="screen4x3"/>
   <p:notesSz cx="6858000" cy="9144000"/>
@@ -4720,12 +4725,15 @@
                 <a:latin typeface="Calibri" panose="020F0502020204030204" pitchFamily="34" charset="0"/>
                 <a:cs typeface="Calibri" panose="020F0502020204030204" pitchFamily="34" charset="0"/>
               </a:rPr>
-              <a:t>Jump&amp;Run</a:t>
-            </a:r>
-            <a:endParaRPr lang="de-CH" dirty="0">
-              <a:latin typeface="Calibri" panose="020F0502020204030204" pitchFamily="34" charset="0"/>
-              <a:cs typeface="Calibri" panose="020F0502020204030204" pitchFamily="34" charset="0"/>
-            </a:endParaRPr>
+              <a:t>Jump&amp;Run-Spiel</a:t>
+            </a:r>
+            <a:r>
+              <a:rPr lang="de-CH" dirty="0">
+                <a:latin typeface="Calibri" panose="020F0502020204030204" pitchFamily="34" charset="0"/>
+                <a:cs typeface="Calibri" panose="020F0502020204030204" pitchFamily="34" charset="0"/>
+              </a:rPr>
+              <a:t> für 2</a:t>
+            </a:r>
           </a:p>
         </p:txBody>
       </p:sp>
@@ -4811,6 +4819,187 @@
                 <a:cs typeface="Calibri" panose="020F0502020204030204" pitchFamily="34" charset="0"/>
               </a:rPr>
               <a:t>Oliver Bucher, Lena Papailiou</a:t>
+            </a:r>
+          </a:p>
+        </p:txBody>
+      </p:sp>
+      <p:pic>
+        <p:nvPicPr>
+          <p:cNvPr id="1026" name="Picture 2" descr="titelbild">
+            <a:extLst>
+              <a:ext uri="{FF2B5EF4-FFF2-40B4-BE49-F238E27FC236}">
+                <a16:creationId xmlns:a16="http://schemas.microsoft.com/office/drawing/2014/main" id="{415DB22D-7F71-4426-B236-D632B7C35514}"/>
+              </a:ext>
+            </a:extLst>
+          </p:cNvPr>
+          <p:cNvPicPr>
+            <a:picLocks noChangeAspect="1" noChangeArrowheads="1"/>
+          </p:cNvPicPr>
+          <p:nvPr/>
+        </p:nvPicPr>
+        <p:blipFill>
+          <a:blip r:embed="rId2">
+            <a:extLst>
+              <a:ext uri="{28A0092B-C50C-407E-A947-70E740481C1C}">
+                <a14:useLocalDpi xmlns:a14="http://schemas.microsoft.com/office/drawing/2010/main" val="0"/>
+              </a:ext>
+            </a:extLst>
+          </a:blip>
+          <a:srcRect/>
+          <a:stretch>
+            <a:fillRect/>
+          </a:stretch>
+        </p:blipFill>
+        <p:spPr bwMode="auto">
+          <a:xfrm>
+            <a:off x="642603" y="43455"/>
+            <a:ext cx="3014997" cy="3558582"/>
+          </a:xfrm>
+          <a:prstGeom prst="rect">
+            <a:avLst/>
+          </a:prstGeom>
+          <a:noFill/>
+          <a:extLst>
+            <a:ext uri="{909E8E84-426E-40DD-AFC4-6F175D3DCCD1}">
+              <a14:hiddenFill xmlns:a14="http://schemas.microsoft.com/office/drawing/2010/main">
+                <a:solidFill>
+                  <a:srgbClr val="FFFFFF"/>
+                </a:solidFill>
+              </a14:hiddenFill>
+            </a:ext>
+          </a:extLst>
+        </p:spPr>
+      </p:pic>
+      <p:sp>
+        <p:nvSpPr>
+          <p:cNvPr id="6" name="Fußzeilenplatzhalter 4">
+            <a:extLst>
+              <a:ext uri="{FF2B5EF4-FFF2-40B4-BE49-F238E27FC236}">
+                <a16:creationId xmlns:a16="http://schemas.microsoft.com/office/drawing/2014/main" id="{E43E2073-75AB-4456-8EB4-76F1D8743446}"/>
+              </a:ext>
+            </a:extLst>
+          </p:cNvPr>
+          <p:cNvSpPr txBox="1">
+            <a:spLocks/>
+          </p:cNvSpPr>
+          <p:nvPr/>
+        </p:nvSpPr>
+        <p:spPr>
+          <a:xfrm>
+            <a:off x="1075786" y="5165597"/>
+            <a:ext cx="5163628" cy="392015"/>
+          </a:xfrm>
+          <a:prstGeom prst="rect">
+            <a:avLst/>
+          </a:prstGeom>
+        </p:spPr>
+        <p:txBody>
+          <a:bodyPr/>
+          <a:lstStyle>
+            <a:defPPr>
+              <a:defRPr lang="de-DE"/>
+            </a:defPPr>
+            <a:lvl1pPr marL="0" algn="l" defTabSz="914400" rtl="0" eaLnBrk="1" latinLnBrk="0" hangingPunct="1">
+              <a:defRPr sz="1800" kern="1200">
+                <a:solidFill>
+                  <a:schemeClr val="tx1"/>
+                </a:solidFill>
+                <a:latin typeface="+mn-lt"/>
+                <a:ea typeface="+mn-ea"/>
+                <a:cs typeface="+mn-cs"/>
+              </a:defRPr>
+            </a:lvl1pPr>
+            <a:lvl2pPr marL="457200" algn="l" defTabSz="914400" rtl="0" eaLnBrk="1" latinLnBrk="0" hangingPunct="1">
+              <a:defRPr sz="1800" kern="1200">
+                <a:solidFill>
+                  <a:schemeClr val="tx1"/>
+                </a:solidFill>
+                <a:latin typeface="+mn-lt"/>
+                <a:ea typeface="+mn-ea"/>
+                <a:cs typeface="+mn-cs"/>
+              </a:defRPr>
+            </a:lvl2pPr>
+            <a:lvl3pPr marL="914400" algn="l" defTabSz="914400" rtl="0" eaLnBrk="1" latinLnBrk="0" hangingPunct="1">
+              <a:defRPr sz="1800" kern="1200">
+                <a:solidFill>
+                  <a:schemeClr val="tx1"/>
+                </a:solidFill>
+                <a:latin typeface="+mn-lt"/>
+                <a:ea typeface="+mn-ea"/>
+                <a:cs typeface="+mn-cs"/>
+              </a:defRPr>
+            </a:lvl3pPr>
+            <a:lvl4pPr marL="1371600" algn="l" defTabSz="914400" rtl="0" eaLnBrk="1" latinLnBrk="0" hangingPunct="1">
+              <a:defRPr sz="1800" kern="1200">
+                <a:solidFill>
+                  <a:schemeClr val="tx1"/>
+                </a:solidFill>
+                <a:latin typeface="+mn-lt"/>
+                <a:ea typeface="+mn-ea"/>
+                <a:cs typeface="+mn-cs"/>
+              </a:defRPr>
+            </a:lvl4pPr>
+            <a:lvl5pPr marL="1828800" algn="l" defTabSz="914400" rtl="0" eaLnBrk="1" latinLnBrk="0" hangingPunct="1">
+              <a:defRPr sz="1800" kern="1200">
+                <a:solidFill>
+                  <a:schemeClr val="tx1"/>
+                </a:solidFill>
+                <a:latin typeface="+mn-lt"/>
+                <a:ea typeface="+mn-ea"/>
+                <a:cs typeface="+mn-cs"/>
+              </a:defRPr>
+            </a:lvl5pPr>
+            <a:lvl6pPr marL="2286000" algn="l" defTabSz="914400" rtl="0" eaLnBrk="1" latinLnBrk="0" hangingPunct="1">
+              <a:defRPr sz="1800" kern="1200">
+                <a:solidFill>
+                  <a:schemeClr val="tx1"/>
+                </a:solidFill>
+                <a:latin typeface="+mn-lt"/>
+                <a:ea typeface="+mn-ea"/>
+                <a:cs typeface="+mn-cs"/>
+              </a:defRPr>
+            </a:lvl6pPr>
+            <a:lvl7pPr marL="2743200" algn="l" defTabSz="914400" rtl="0" eaLnBrk="1" latinLnBrk="0" hangingPunct="1">
+              <a:defRPr sz="1800" kern="1200">
+                <a:solidFill>
+                  <a:schemeClr val="tx1"/>
+                </a:solidFill>
+                <a:latin typeface="+mn-lt"/>
+                <a:ea typeface="+mn-ea"/>
+                <a:cs typeface="+mn-cs"/>
+              </a:defRPr>
+            </a:lvl7pPr>
+            <a:lvl8pPr marL="3200400" algn="l" defTabSz="914400" rtl="0" eaLnBrk="1" latinLnBrk="0" hangingPunct="1">
+              <a:defRPr sz="1800" kern="1200">
+                <a:solidFill>
+                  <a:schemeClr val="tx1"/>
+                </a:solidFill>
+                <a:latin typeface="+mn-lt"/>
+                <a:ea typeface="+mn-ea"/>
+                <a:cs typeface="+mn-cs"/>
+              </a:defRPr>
+            </a:lvl8pPr>
+            <a:lvl9pPr marL="3657600" algn="l" defTabSz="914400" rtl="0" eaLnBrk="1" latinLnBrk="0" hangingPunct="1">
+              <a:defRPr sz="1800" kern="1200">
+                <a:solidFill>
+                  <a:schemeClr val="tx1"/>
+                </a:solidFill>
+                <a:latin typeface="+mn-lt"/>
+                <a:ea typeface="+mn-ea"/>
+                <a:cs typeface="+mn-cs"/>
+              </a:defRPr>
+            </a:lvl9pPr>
+          </a:lstStyle>
+          <a:p>
+            <a:r>
+              <a:rPr lang="de-CH" sz="1200" b="1" dirty="0">
+                <a:solidFill>
+                  <a:schemeClr val="bg1"/>
+                </a:solidFill>
+                <a:latin typeface="Courier New" panose="02070309020205020404" pitchFamily="49" charset="0"/>
+                <a:cs typeface="Courier New" panose="02070309020205020404" pitchFamily="49" charset="0"/>
+              </a:rPr>
+              <a:t>https://rush-b.ch</a:t>
             </a:r>
           </a:p>
         </p:txBody>
@@ -4876,7 +5065,415 @@
           <a:p>
             <a:r>
               <a:rPr lang="de-CH" dirty="0"/>
-              <a:t>Gegenstand und Ziele der Arbeit</a:t>
+              <a:t>Spielbeschreibung</a:t>
+            </a:r>
+          </a:p>
+        </p:txBody>
+      </p:sp>
+      <p:sp>
+        <p:nvSpPr>
+          <p:cNvPr id="3" name="Inhaltsplatzhalter 2">
+            <a:extLst>
+              <a:ext uri="{FF2B5EF4-FFF2-40B4-BE49-F238E27FC236}">
+                <a16:creationId xmlns:a16="http://schemas.microsoft.com/office/drawing/2014/main" id="{D83E6F60-189B-401E-8D9E-8DF5EEDF5B43}"/>
+              </a:ext>
+            </a:extLst>
+          </p:cNvPr>
+          <p:cNvSpPr>
+            <a:spLocks noGrp="1"/>
+          </p:cNvSpPr>
+          <p:nvPr>
+            <p:ph idx="1"/>
+          </p:nvPr>
+        </p:nvSpPr>
+        <p:spPr>
+          <a:xfrm>
+            <a:off x="477983" y="1825625"/>
+            <a:ext cx="6315849" cy="4351338"/>
+          </a:xfrm>
+        </p:spPr>
+        <p:txBody>
+          <a:bodyPr>
+            <a:normAutofit fontScale="92500" lnSpcReduction="10000"/>
+          </a:bodyPr>
+          <a:lstStyle/>
+          <a:p>
+            <a:pPr algn="l"/>
+            <a:r>
+              <a:rPr lang="de-CH" b="0" i="0" dirty="0">
+                <a:solidFill>
+                  <a:srgbClr val="24292F"/>
+                </a:solidFill>
+                <a:effectLst/>
+                <a:latin typeface="-apple-system"/>
+              </a:rPr>
+              <a:t>Rush-B ist ein multiplayer-fähiges </a:t>
+            </a:r>
+            <a:r>
+              <a:rPr lang="de-CH" b="0" i="0" dirty="0" err="1">
+                <a:solidFill>
+                  <a:srgbClr val="24292F"/>
+                </a:solidFill>
+                <a:effectLst/>
+                <a:latin typeface="-apple-system"/>
+              </a:rPr>
+              <a:t>Jump&amp;Run-Spiel</a:t>
+            </a:r>
+            <a:r>
+              <a:rPr lang="de-CH" b="0" i="0" dirty="0">
+                <a:solidFill>
+                  <a:srgbClr val="24292F"/>
+                </a:solidFill>
+                <a:effectLst/>
+                <a:latin typeface="-apple-system"/>
+              </a:rPr>
+              <a:t> in 2D. Im Zentrum steht aber nicht, sich durch möglichst viele Levels zu navigieren, sondern ein </a:t>
+            </a:r>
+            <a:r>
+              <a:rPr lang="de-CH" b="0" i="1" dirty="0" err="1">
+                <a:solidFill>
+                  <a:srgbClr val="24292F"/>
+                </a:solidFill>
+                <a:effectLst/>
+                <a:latin typeface="-apple-system"/>
+              </a:rPr>
+              <a:t>capture</a:t>
+            </a:r>
+            <a:r>
+              <a:rPr lang="de-CH" b="0" i="1" dirty="0">
+                <a:solidFill>
+                  <a:srgbClr val="24292F"/>
+                </a:solidFill>
+                <a:effectLst/>
+                <a:latin typeface="-apple-system"/>
+              </a:rPr>
+              <a:t>-</a:t>
+            </a:r>
+            <a:r>
+              <a:rPr lang="de-CH" b="0" i="1" dirty="0" err="1">
+                <a:solidFill>
+                  <a:srgbClr val="24292F"/>
+                </a:solidFill>
+                <a:effectLst/>
+                <a:latin typeface="-apple-system"/>
+              </a:rPr>
+              <a:t>the</a:t>
+            </a:r>
+            <a:r>
+              <a:rPr lang="de-CH" b="0" i="1" dirty="0">
+                <a:solidFill>
+                  <a:srgbClr val="24292F"/>
+                </a:solidFill>
+                <a:effectLst/>
+                <a:latin typeface="-apple-system"/>
+              </a:rPr>
+              <a:t>-</a:t>
+            </a:r>
+            <a:r>
+              <a:rPr lang="de-CH" b="0" i="1" dirty="0" err="1">
+                <a:solidFill>
+                  <a:srgbClr val="24292F"/>
+                </a:solidFill>
+                <a:effectLst/>
+                <a:latin typeface="-apple-system"/>
+              </a:rPr>
+              <a:t>flag</a:t>
+            </a:r>
+            <a:r>
+              <a:rPr lang="de-CH" b="0" i="0" dirty="0">
+                <a:solidFill>
+                  <a:srgbClr val="24292F"/>
+                </a:solidFill>
+                <a:effectLst/>
+                <a:latin typeface="-apple-system"/>
+              </a:rPr>
+              <a:t>-Mechanismus.</a:t>
+            </a:r>
+          </a:p>
+          <a:p>
+            <a:pPr algn="l"/>
+            <a:r>
+              <a:rPr lang="de-CH" b="0" i="0" dirty="0">
+                <a:solidFill>
+                  <a:srgbClr val="24292F"/>
+                </a:solidFill>
+                <a:effectLst/>
+                <a:latin typeface="-apple-system"/>
+              </a:rPr>
+              <a:t>Im Level befindet sich ein (oder mehr) Pinsel, der erobert werden kann. Wenn ein Spieler im Besitz des Pinsels ist, kann dieser die Wände des Levels in seiner Farbe bemalen.</a:t>
+            </a:r>
+          </a:p>
+          <a:p>
+            <a:pPr algn="l"/>
+            <a:r>
+              <a:rPr lang="de-CH" b="0" i="0" dirty="0">
+                <a:solidFill>
+                  <a:srgbClr val="24292F"/>
+                </a:solidFill>
+                <a:effectLst/>
+                <a:latin typeface="-apple-system"/>
+              </a:rPr>
+              <a:t>Der Pinsel kann einem Gegner abgenommen werden, indem dieser angerempelt wird. </a:t>
+            </a:r>
+          </a:p>
+          <a:p>
+            <a:pPr algn="l"/>
+            <a:r>
+              <a:rPr lang="de-CH" b="0" i="0" dirty="0">
+                <a:solidFill>
+                  <a:srgbClr val="24292F"/>
+                </a:solidFill>
+                <a:effectLst/>
+                <a:latin typeface="-apple-system"/>
+              </a:rPr>
+              <a:t>Nach Ablauf von zwei Minuten wird das Spiel beendet. Der Spieler, der die grösste Fläche bemalt hat, gewinnt.</a:t>
+            </a:r>
+            <a:br>
+              <a:rPr lang="de-CH" b="0" i="0" dirty="0">
+                <a:solidFill>
+                  <a:srgbClr val="24292F"/>
+                </a:solidFill>
+                <a:effectLst/>
+                <a:latin typeface="-apple-system"/>
+              </a:rPr>
+            </a:br>
+            <a:r>
+              <a:rPr lang="de-CH" b="0" i="0" dirty="0">
+                <a:solidFill>
+                  <a:srgbClr val="24292F"/>
+                </a:solidFill>
+                <a:effectLst/>
+                <a:latin typeface="-apple-system"/>
+              </a:rPr>
+              <a:t>Das Spiel wird entweder gegen einen menschlichen Gegner oder gegen eine KI gespielt.</a:t>
+            </a:r>
+          </a:p>
+          <a:p>
+            <a:pPr marL="0" indent="0" algn="l">
+              <a:buNone/>
+            </a:pPr>
+            <a:endParaRPr lang="de-CH" b="0" i="1" dirty="0">
+              <a:solidFill>
+                <a:srgbClr val="24292F"/>
+              </a:solidFill>
+              <a:effectLst/>
+              <a:latin typeface="-apple-system"/>
+            </a:endParaRPr>
+          </a:p>
+          <a:p>
+            <a:pPr marL="0" indent="0" algn="l">
+              <a:buNone/>
+            </a:pPr>
+            <a:r>
+              <a:rPr lang="de-CH" b="0" i="1" dirty="0">
+                <a:solidFill>
+                  <a:srgbClr val="24292F"/>
+                </a:solidFill>
+                <a:effectLst/>
+                <a:latin typeface="-apple-system"/>
+              </a:rPr>
+              <a:t>Fun Fact: Der Name des Spiels ist ein Wortspiel. Es handelt sich um ein Anagramm von «</a:t>
+            </a:r>
+            <a:r>
+              <a:rPr lang="de-CH" b="0" i="1" dirty="0" err="1">
+                <a:solidFill>
+                  <a:srgbClr val="24292F"/>
+                </a:solidFill>
+                <a:effectLst/>
+                <a:latin typeface="-apple-system"/>
+              </a:rPr>
+              <a:t>brush</a:t>
+            </a:r>
+            <a:r>
+              <a:rPr lang="de-CH" b="0" i="1" dirty="0">
+                <a:solidFill>
+                  <a:srgbClr val="24292F"/>
+                </a:solidFill>
+                <a:effectLst/>
+                <a:latin typeface="-apple-system"/>
+              </a:rPr>
+              <a:t>» (Pinsel). </a:t>
+            </a:r>
+            <a:r>
+              <a:rPr lang="de-CH" b="0" i="1" u="none" strike="noStrike" dirty="0">
+                <a:solidFill>
+                  <a:srgbClr val="24292F"/>
+                </a:solidFill>
+                <a:effectLst/>
+                <a:latin typeface="-apple-system"/>
+                <a:hlinkClick r:id="rId2"/>
+              </a:rPr>
+              <a:t>Rush-B</a:t>
+            </a:r>
+            <a:r>
+              <a:rPr lang="de-CH" b="0" i="1" dirty="0">
+                <a:solidFill>
+                  <a:srgbClr val="24292F"/>
+                </a:solidFill>
+                <a:effectLst/>
+                <a:latin typeface="-apple-system"/>
+              </a:rPr>
+              <a:t> ist der Online-Gaming-Szene ein häufig verwendeter Topos.</a:t>
+            </a:r>
+            <a:endParaRPr lang="de-CH" b="0" i="0" dirty="0">
+              <a:solidFill>
+                <a:srgbClr val="24292F"/>
+              </a:solidFill>
+              <a:effectLst/>
+              <a:latin typeface="-apple-system"/>
+            </a:endParaRPr>
+          </a:p>
+        </p:txBody>
+      </p:sp>
+      <p:sp>
+        <p:nvSpPr>
+          <p:cNvPr id="4" name="Datumsplatzhalter 3">
+            <a:extLst>
+              <a:ext uri="{FF2B5EF4-FFF2-40B4-BE49-F238E27FC236}">
+                <a16:creationId xmlns:a16="http://schemas.microsoft.com/office/drawing/2014/main" id="{5225426D-9A79-44F9-A435-DC5105B9F96B}"/>
+              </a:ext>
+            </a:extLst>
+          </p:cNvPr>
+          <p:cNvSpPr>
+            <a:spLocks noGrp="1"/>
+          </p:cNvSpPr>
+          <p:nvPr>
+            <p:ph type="dt" sz="half" idx="10"/>
+          </p:nvPr>
+        </p:nvSpPr>
+        <p:spPr/>
+        <p:txBody>
+          <a:bodyPr/>
+          <a:lstStyle/>
+          <a:p>
+            <a:fld id="{9B86E4C5-EEB4-4EFE-AF84-85ED5F15F813}" type="datetime1">
+              <a:rPr lang="de-CH" smtClean="0"/>
+              <a:t>06.12.2022</a:t>
+            </a:fld>
+            <a:endParaRPr lang="de-CH" dirty="0"/>
+          </a:p>
+        </p:txBody>
+      </p:sp>
+      <p:sp>
+        <p:nvSpPr>
+          <p:cNvPr id="6" name="Foliennummernplatzhalter 5">
+            <a:extLst>
+              <a:ext uri="{FF2B5EF4-FFF2-40B4-BE49-F238E27FC236}">
+                <a16:creationId xmlns:a16="http://schemas.microsoft.com/office/drawing/2014/main" id="{3ACC7847-3B15-4C90-B398-D619F66F621D}"/>
+              </a:ext>
+            </a:extLst>
+          </p:cNvPr>
+          <p:cNvSpPr>
+            <a:spLocks noGrp="1"/>
+          </p:cNvSpPr>
+          <p:nvPr>
+            <p:ph type="sldNum" sz="quarter" idx="12"/>
+          </p:nvPr>
+        </p:nvSpPr>
+        <p:spPr/>
+        <p:txBody>
+          <a:bodyPr/>
+          <a:lstStyle/>
+          <a:p>
+            <a:fld id="{D704E467-C06D-4A7A-98D0-E1E00465E11C}" type="slidenum">
+              <a:rPr lang="de-CH" smtClean="0"/>
+              <a:pPr/>
+              <a:t>2</a:t>
+            </a:fld>
+            <a:endParaRPr lang="de-CH" dirty="0"/>
+          </a:p>
+        </p:txBody>
+      </p:sp>
+      <p:sp>
+        <p:nvSpPr>
+          <p:cNvPr id="9" name="Fußzeilenplatzhalter 4">
+            <a:extLst>
+              <a:ext uri="{FF2B5EF4-FFF2-40B4-BE49-F238E27FC236}">
+                <a16:creationId xmlns:a16="http://schemas.microsoft.com/office/drawing/2014/main" id="{F9C60347-EE4B-4E24-A827-D2F5E4172EB5}"/>
+              </a:ext>
+            </a:extLst>
+          </p:cNvPr>
+          <p:cNvSpPr>
+            <a:spLocks noGrp="1"/>
+          </p:cNvSpPr>
+          <p:nvPr>
+            <p:ph type="ftr" sz="quarter" idx="11"/>
+          </p:nvPr>
+        </p:nvSpPr>
+        <p:spPr>
+          <a:xfrm>
+            <a:off x="2524125" y="6421535"/>
+            <a:ext cx="5163628" cy="392015"/>
+          </a:xfrm>
+        </p:spPr>
+        <p:txBody>
+          <a:bodyPr/>
+          <a:lstStyle/>
+          <a:p>
+            <a:r>
+              <a:rPr lang="de-CH" sz="1200" b="1" dirty="0">
+                <a:latin typeface="Courier New" panose="02070309020205020404" pitchFamily="49" charset="0"/>
+                <a:cs typeface="Courier New" panose="02070309020205020404" pitchFamily="49" charset="0"/>
+              </a:rPr>
+              <a:t>https://rush-b.ch</a:t>
+            </a:r>
+          </a:p>
+        </p:txBody>
+      </p:sp>
+    </p:spTree>
+    <p:extLst>
+      <p:ext uri="{BB962C8B-B14F-4D97-AF65-F5344CB8AC3E}">
+        <p14:creationId xmlns:p14="http://schemas.microsoft.com/office/powerpoint/2010/main" val="4265686307"/>
+      </p:ext>
+    </p:extLst>
+  </p:cSld>
+  <p:clrMapOvr>
+    <a:masterClrMapping/>
+  </p:clrMapOvr>
+</p:sld>
+</file>
+
+<file path=ppt/slides/slide3.xml><?xml version="1.0" encoding="utf-8"?>
+<p:sld xmlns:a="http://schemas.openxmlformats.org/drawingml/2006/main" xmlns:r="http://schemas.openxmlformats.org/officeDocument/2006/relationships" xmlns:p="http://schemas.openxmlformats.org/presentationml/2006/main">
+  <p:cSld>
+    <p:spTree>
+      <p:nvGrpSpPr>
+        <p:cNvPr id="1" name=""/>
+        <p:cNvGrpSpPr/>
+        <p:nvPr/>
+      </p:nvGrpSpPr>
+      <p:grpSpPr>
+        <a:xfrm>
+          <a:off x="0" y="0"/>
+          <a:ext cx="0" cy="0"/>
+          <a:chOff x="0" y="0"/>
+          <a:chExt cx="0" cy="0"/>
+        </a:xfrm>
+      </p:grpSpPr>
+      <p:sp>
+        <p:nvSpPr>
+          <p:cNvPr id="2" name="Titel 1">
+            <a:extLst>
+              <a:ext uri="{FF2B5EF4-FFF2-40B4-BE49-F238E27FC236}">
+                <a16:creationId xmlns:a16="http://schemas.microsoft.com/office/drawing/2014/main" id="{7A180DBD-0B32-41C0-8107-4A8FC4CBBD3E}"/>
+              </a:ext>
+            </a:extLst>
+          </p:cNvPr>
+          <p:cNvSpPr>
+            <a:spLocks noGrp="1"/>
+          </p:cNvSpPr>
+          <p:nvPr>
+            <p:ph type="title"/>
+          </p:nvPr>
+        </p:nvSpPr>
+        <p:spPr/>
+        <p:txBody>
+          <a:bodyPr/>
+          <a:lstStyle/>
+          <a:p>
+            <a:r>
+              <a:rPr lang="de-CH" dirty="0"/>
+              <a:t>Architektur</a:t>
             </a:r>
           </a:p>
         </p:txBody>
@@ -4909,10 +5506,7 @@
           </a:bodyPr>
           <a:lstStyle/>
           <a:p>
-            <a:r>
-              <a:rPr lang="de-CH" dirty="0"/>
-              <a:t>xx</a:t>
-            </a:r>
+            <a:endParaRPr lang="de-CH" dirty="0"/>
           </a:p>
         </p:txBody>
       </p:sp>
@@ -4947,31 +5541,6 @@
       </p:sp>
       <p:sp>
         <p:nvSpPr>
-          <p:cNvPr id="5" name="Fußzeilenplatzhalter 4">
-            <a:extLst>
-              <a:ext uri="{FF2B5EF4-FFF2-40B4-BE49-F238E27FC236}">
-                <a16:creationId xmlns:a16="http://schemas.microsoft.com/office/drawing/2014/main" id="{EF446B4F-4E39-4B57-A8B0-F47437964E48}"/>
-              </a:ext>
-            </a:extLst>
-          </p:cNvPr>
-          <p:cNvSpPr>
-            <a:spLocks noGrp="1"/>
-          </p:cNvSpPr>
-          <p:nvPr>
-            <p:ph type="ftr" sz="quarter" idx="11"/>
-          </p:nvPr>
-        </p:nvSpPr>
-        <p:spPr/>
-        <p:txBody>
-          <a:bodyPr/>
-          <a:lstStyle/>
-          <a:p>
-            <a:endParaRPr lang="de-CH" dirty="0"/>
-          </a:p>
-        </p:txBody>
-      </p:sp>
-      <p:sp>
-        <p:nvSpPr>
           <p:cNvPr id="6" name="Foliennummernplatzhalter 5">
             <a:extLst>
               <a:ext uri="{FF2B5EF4-FFF2-40B4-BE49-F238E27FC236}">
@@ -4994,16 +5563,1736 @@
             <a:fld id="{D704E467-C06D-4A7A-98D0-E1E00465E11C}" type="slidenum">
               <a:rPr lang="de-CH" smtClean="0"/>
               <a:pPr/>
-              <a:t>2</a:t>
+              <a:t>3</a:t>
             </a:fld>
             <a:endParaRPr lang="de-CH" dirty="0"/>
+          </a:p>
+        </p:txBody>
+      </p:sp>
+      <p:pic>
+        <p:nvPicPr>
+          <p:cNvPr id="8" name="Grafik 7">
+            <a:extLst>
+              <a:ext uri="{FF2B5EF4-FFF2-40B4-BE49-F238E27FC236}">
+                <a16:creationId xmlns:a16="http://schemas.microsoft.com/office/drawing/2014/main" id="{D3E69DBF-621D-429C-A862-4AD28013E058}"/>
+              </a:ext>
+            </a:extLst>
+          </p:cNvPr>
+          <p:cNvPicPr>
+            <a:picLocks noChangeAspect="1"/>
+          </p:cNvPicPr>
+          <p:nvPr/>
+        </p:nvPicPr>
+        <p:blipFill>
+          <a:blip r:embed="rId2"/>
+          <a:stretch>
+            <a:fillRect/>
+          </a:stretch>
+        </p:blipFill>
+        <p:spPr>
+          <a:xfrm>
+            <a:off x="477979" y="1499937"/>
+            <a:ext cx="7643731" cy="4677023"/>
+          </a:xfrm>
+          <a:prstGeom prst="rect">
+            <a:avLst/>
+          </a:prstGeom>
+        </p:spPr>
+      </p:pic>
+      <p:sp>
+        <p:nvSpPr>
+          <p:cNvPr id="9" name="Fußzeilenplatzhalter 4">
+            <a:extLst>
+              <a:ext uri="{FF2B5EF4-FFF2-40B4-BE49-F238E27FC236}">
+                <a16:creationId xmlns:a16="http://schemas.microsoft.com/office/drawing/2014/main" id="{A6CAB434-FFCB-4778-852A-F460960FAA3C}"/>
+              </a:ext>
+            </a:extLst>
+          </p:cNvPr>
+          <p:cNvSpPr>
+            <a:spLocks noGrp="1"/>
+          </p:cNvSpPr>
+          <p:nvPr>
+            <p:ph type="ftr" sz="quarter" idx="11"/>
+          </p:nvPr>
+        </p:nvSpPr>
+        <p:spPr>
+          <a:xfrm>
+            <a:off x="2524125" y="6421535"/>
+            <a:ext cx="5163628" cy="392015"/>
+          </a:xfrm>
+        </p:spPr>
+        <p:txBody>
+          <a:bodyPr/>
+          <a:lstStyle/>
+          <a:p>
+            <a:r>
+              <a:rPr lang="de-CH" sz="1200" b="1" dirty="0">
+                <a:latin typeface="Courier New" panose="02070309020205020404" pitchFamily="49" charset="0"/>
+                <a:cs typeface="Courier New" panose="02070309020205020404" pitchFamily="49" charset="0"/>
+              </a:rPr>
+              <a:t>https://rush-b.ch</a:t>
+            </a:r>
           </a:p>
         </p:txBody>
       </p:sp>
     </p:spTree>
     <p:extLst>
       <p:ext uri="{BB962C8B-B14F-4D97-AF65-F5344CB8AC3E}">
-        <p14:creationId xmlns:p14="http://schemas.microsoft.com/office/powerpoint/2010/main" val="4265686307"/>
+        <p14:creationId xmlns:p14="http://schemas.microsoft.com/office/powerpoint/2010/main" val="1372552174"/>
+      </p:ext>
+    </p:extLst>
+  </p:cSld>
+  <p:clrMapOvr>
+    <a:masterClrMapping/>
+  </p:clrMapOvr>
+</p:sld>
+</file>
+
+<file path=ppt/slides/slide4.xml><?xml version="1.0" encoding="utf-8"?>
+<p:sld xmlns:a="http://schemas.openxmlformats.org/drawingml/2006/main" xmlns:r="http://schemas.openxmlformats.org/officeDocument/2006/relationships" xmlns:p="http://schemas.openxmlformats.org/presentationml/2006/main">
+  <p:cSld>
+    <p:spTree>
+      <p:nvGrpSpPr>
+        <p:cNvPr id="1" name=""/>
+        <p:cNvGrpSpPr/>
+        <p:nvPr/>
+      </p:nvGrpSpPr>
+      <p:grpSpPr>
+        <a:xfrm>
+          <a:off x="0" y="0"/>
+          <a:ext cx="0" cy="0"/>
+          <a:chOff x="0" y="0"/>
+          <a:chExt cx="0" cy="0"/>
+        </a:xfrm>
+      </p:grpSpPr>
+      <p:sp>
+        <p:nvSpPr>
+          <p:cNvPr id="2" name="Titel 1">
+            <a:extLst>
+              <a:ext uri="{FF2B5EF4-FFF2-40B4-BE49-F238E27FC236}">
+                <a16:creationId xmlns:a16="http://schemas.microsoft.com/office/drawing/2014/main" id="{7A180DBD-0B32-41C0-8107-4A8FC4CBBD3E}"/>
+              </a:ext>
+            </a:extLst>
+          </p:cNvPr>
+          <p:cNvSpPr>
+            <a:spLocks noGrp="1"/>
+          </p:cNvSpPr>
+          <p:nvPr>
+            <p:ph type="title"/>
+          </p:nvPr>
+        </p:nvSpPr>
+        <p:spPr/>
+        <p:txBody>
+          <a:bodyPr/>
+          <a:lstStyle/>
+          <a:p>
+            <a:r>
+              <a:rPr lang="de-CH" dirty="0"/>
+              <a:t>Einsatz von KI: Beschreibung der Algorithmen</a:t>
+            </a:r>
+          </a:p>
+        </p:txBody>
+      </p:sp>
+      <p:sp>
+        <p:nvSpPr>
+          <p:cNvPr id="3" name="Inhaltsplatzhalter 2">
+            <a:extLst>
+              <a:ext uri="{FF2B5EF4-FFF2-40B4-BE49-F238E27FC236}">
+                <a16:creationId xmlns:a16="http://schemas.microsoft.com/office/drawing/2014/main" id="{D83E6F60-189B-401E-8D9E-8DF5EEDF5B43}"/>
+              </a:ext>
+            </a:extLst>
+          </p:cNvPr>
+          <p:cNvSpPr>
+            <a:spLocks noGrp="1"/>
+          </p:cNvSpPr>
+          <p:nvPr>
+            <p:ph idx="1"/>
+          </p:nvPr>
+        </p:nvSpPr>
+        <p:spPr>
+          <a:xfrm>
+            <a:off x="477984" y="1825625"/>
+            <a:ext cx="2930964" cy="4351338"/>
+          </a:xfrm>
+        </p:spPr>
+        <p:txBody>
+          <a:bodyPr>
+            <a:normAutofit/>
+          </a:bodyPr>
+          <a:lstStyle/>
+          <a:p>
+            <a:r>
+              <a:rPr lang="de-CH" dirty="0"/>
+              <a:t>Versuch 1: Neuronales Netz + Genetischer Algorithmus</a:t>
+            </a:r>
+          </a:p>
+          <a:p>
+            <a:endParaRPr lang="de-CH" dirty="0"/>
+          </a:p>
+          <a:p>
+            <a:endParaRPr lang="de-CH" dirty="0"/>
+          </a:p>
+          <a:p>
+            <a:endParaRPr lang="de-CH" dirty="0"/>
+          </a:p>
+          <a:p>
+            <a:endParaRPr lang="de-CH" dirty="0"/>
+          </a:p>
+          <a:p>
+            <a:endParaRPr lang="de-CH" dirty="0"/>
+          </a:p>
+          <a:p>
+            <a:endParaRPr lang="de-CH" dirty="0"/>
+          </a:p>
+          <a:p>
+            <a:r>
+              <a:rPr lang="de-CH" dirty="0"/>
+              <a:t>Versuch 2: Random Bot + Reaktion auf Spieler</a:t>
+            </a:r>
+          </a:p>
+        </p:txBody>
+      </p:sp>
+      <p:sp>
+        <p:nvSpPr>
+          <p:cNvPr id="4" name="Datumsplatzhalter 3">
+            <a:extLst>
+              <a:ext uri="{FF2B5EF4-FFF2-40B4-BE49-F238E27FC236}">
+                <a16:creationId xmlns:a16="http://schemas.microsoft.com/office/drawing/2014/main" id="{5225426D-9A79-44F9-A435-DC5105B9F96B}"/>
+              </a:ext>
+            </a:extLst>
+          </p:cNvPr>
+          <p:cNvSpPr>
+            <a:spLocks noGrp="1"/>
+          </p:cNvSpPr>
+          <p:nvPr>
+            <p:ph type="dt" sz="half" idx="10"/>
+          </p:nvPr>
+        </p:nvSpPr>
+        <p:spPr/>
+        <p:txBody>
+          <a:bodyPr/>
+          <a:lstStyle/>
+          <a:p>
+            <a:fld id="{9B86E4C5-EEB4-4EFE-AF84-85ED5F15F813}" type="datetime1">
+              <a:rPr lang="de-CH" smtClean="0"/>
+              <a:t>06.12.2022</a:t>
+            </a:fld>
+            <a:endParaRPr lang="de-CH" dirty="0"/>
+          </a:p>
+        </p:txBody>
+      </p:sp>
+      <p:sp>
+        <p:nvSpPr>
+          <p:cNvPr id="6" name="Foliennummernplatzhalter 5">
+            <a:extLst>
+              <a:ext uri="{FF2B5EF4-FFF2-40B4-BE49-F238E27FC236}">
+                <a16:creationId xmlns:a16="http://schemas.microsoft.com/office/drawing/2014/main" id="{3ACC7847-3B15-4C90-B398-D619F66F621D}"/>
+              </a:ext>
+            </a:extLst>
+          </p:cNvPr>
+          <p:cNvSpPr>
+            <a:spLocks noGrp="1"/>
+          </p:cNvSpPr>
+          <p:nvPr>
+            <p:ph type="sldNum" sz="quarter" idx="12"/>
+          </p:nvPr>
+        </p:nvSpPr>
+        <p:spPr/>
+        <p:txBody>
+          <a:bodyPr/>
+          <a:lstStyle/>
+          <a:p>
+            <a:fld id="{D704E467-C06D-4A7A-98D0-E1E00465E11C}" type="slidenum">
+              <a:rPr lang="de-CH" smtClean="0"/>
+              <a:pPr/>
+              <a:t>4</a:t>
+            </a:fld>
+            <a:endParaRPr lang="de-CH" dirty="0"/>
+          </a:p>
+        </p:txBody>
+      </p:sp>
+      <p:pic>
+        <p:nvPicPr>
+          <p:cNvPr id="3074" name="Picture 2" descr="What is a Genetic Algorithm? - Generative Design Primer">
+            <a:extLst>
+              <a:ext uri="{FF2B5EF4-FFF2-40B4-BE49-F238E27FC236}">
+                <a16:creationId xmlns:a16="http://schemas.microsoft.com/office/drawing/2014/main" id="{5F32C569-FE12-4B6F-BDAF-A8D58B6454D4}"/>
+              </a:ext>
+            </a:extLst>
+          </p:cNvPr>
+          <p:cNvPicPr>
+            <a:picLocks noChangeAspect="1" noChangeArrowheads="1"/>
+          </p:cNvPicPr>
+          <p:nvPr/>
+        </p:nvPicPr>
+        <p:blipFill>
+          <a:blip r:embed="rId2">
+            <a:extLst>
+              <a:ext uri="{28A0092B-C50C-407E-A947-70E740481C1C}">
+                <a14:useLocalDpi xmlns:a14="http://schemas.microsoft.com/office/drawing/2010/main" val="0"/>
+              </a:ext>
+            </a:extLst>
+          </a:blip>
+          <a:srcRect/>
+          <a:stretch>
+            <a:fillRect/>
+          </a:stretch>
+        </p:blipFill>
+        <p:spPr bwMode="auto">
+          <a:xfrm>
+            <a:off x="5483473" y="1690691"/>
+            <a:ext cx="3182543" cy="2405410"/>
+          </a:xfrm>
+          <a:prstGeom prst="rect">
+            <a:avLst/>
+          </a:prstGeom>
+          <a:noFill/>
+          <a:extLst>
+            <a:ext uri="{909E8E84-426E-40DD-AFC4-6F175D3DCCD1}">
+              <a14:hiddenFill xmlns:a14="http://schemas.microsoft.com/office/drawing/2010/main">
+                <a:solidFill>
+                  <a:srgbClr val="FFFFFF"/>
+                </a:solidFill>
+              </a14:hiddenFill>
+            </a:ext>
+          </a:extLst>
+        </p:spPr>
+      </p:pic>
+      <p:pic>
+        <p:nvPicPr>
+          <p:cNvPr id="3076" name="Picture 4" descr="architecture">
+            <a:extLst>
+              <a:ext uri="{FF2B5EF4-FFF2-40B4-BE49-F238E27FC236}">
+                <a16:creationId xmlns:a16="http://schemas.microsoft.com/office/drawing/2014/main" id="{84701A21-2782-49BC-86BE-266983ADC373}"/>
+              </a:ext>
+            </a:extLst>
+          </p:cNvPr>
+          <p:cNvPicPr>
+            <a:picLocks noChangeAspect="1" noChangeArrowheads="1"/>
+          </p:cNvPicPr>
+          <p:nvPr/>
+        </p:nvPicPr>
+        <p:blipFill>
+          <a:blip r:embed="rId3">
+            <a:extLst>
+              <a:ext uri="{28A0092B-C50C-407E-A947-70E740481C1C}">
+                <a14:useLocalDpi xmlns:a14="http://schemas.microsoft.com/office/drawing/2010/main" val="0"/>
+              </a:ext>
+            </a:extLst>
+          </a:blip>
+          <a:srcRect/>
+          <a:stretch>
+            <a:fillRect/>
+          </a:stretch>
+        </p:blipFill>
+        <p:spPr bwMode="auto">
+          <a:xfrm>
+            <a:off x="3552823" y="1941269"/>
+            <a:ext cx="2038351" cy="1804988"/>
+          </a:xfrm>
+          <a:prstGeom prst="rect">
+            <a:avLst/>
+          </a:prstGeom>
+          <a:noFill/>
+          <a:extLst>
+            <a:ext uri="{909E8E84-426E-40DD-AFC4-6F175D3DCCD1}">
+              <a14:hiddenFill xmlns:a14="http://schemas.microsoft.com/office/drawing/2010/main">
+                <a:solidFill>
+                  <a:srgbClr val="FFFFFF"/>
+                </a:solidFill>
+              </a14:hiddenFill>
+            </a:ext>
+          </a:extLst>
+        </p:spPr>
+      </p:pic>
+      <p:pic>
+        <p:nvPicPr>
+          <p:cNvPr id="3078" name="Picture 6" descr="Euclidean distance - Wikipedia">
+            <a:extLst>
+              <a:ext uri="{FF2B5EF4-FFF2-40B4-BE49-F238E27FC236}">
+                <a16:creationId xmlns:a16="http://schemas.microsoft.com/office/drawing/2014/main" id="{F62612C8-1423-44E6-B287-0ED8324D0718}"/>
+              </a:ext>
+            </a:extLst>
+          </p:cNvPr>
+          <p:cNvPicPr>
+            <a:picLocks noChangeAspect="1" noChangeArrowheads="1"/>
+          </p:cNvPicPr>
+          <p:nvPr/>
+        </p:nvPicPr>
+        <p:blipFill>
+          <a:blip r:embed="rId4">
+            <a:extLst>
+              <a:ext uri="{28A0092B-C50C-407E-A947-70E740481C1C}">
+                <a14:useLocalDpi xmlns:a14="http://schemas.microsoft.com/office/drawing/2010/main" val="0"/>
+              </a:ext>
+            </a:extLst>
+          </a:blip>
+          <a:srcRect/>
+          <a:stretch>
+            <a:fillRect/>
+          </a:stretch>
+        </p:blipFill>
+        <p:spPr bwMode="auto">
+          <a:xfrm>
+            <a:off x="3552823" y="4300041"/>
+            <a:ext cx="2581275" cy="1771650"/>
+          </a:xfrm>
+          <a:prstGeom prst="rect">
+            <a:avLst/>
+          </a:prstGeom>
+          <a:noFill/>
+          <a:extLst>
+            <a:ext uri="{909E8E84-426E-40DD-AFC4-6F175D3DCCD1}">
+              <a14:hiddenFill xmlns:a14="http://schemas.microsoft.com/office/drawing/2010/main">
+                <a:solidFill>
+                  <a:srgbClr val="FFFFFF"/>
+                </a:solidFill>
+              </a14:hiddenFill>
+            </a:ext>
+          </a:extLst>
+        </p:spPr>
+      </p:pic>
+      <p:sp>
+        <p:nvSpPr>
+          <p:cNvPr id="10" name="Fußzeilenplatzhalter 4">
+            <a:extLst>
+              <a:ext uri="{FF2B5EF4-FFF2-40B4-BE49-F238E27FC236}">
+                <a16:creationId xmlns:a16="http://schemas.microsoft.com/office/drawing/2014/main" id="{E2047528-C381-434B-93C1-07358407ECAE}"/>
+              </a:ext>
+            </a:extLst>
+          </p:cNvPr>
+          <p:cNvSpPr>
+            <a:spLocks noGrp="1"/>
+          </p:cNvSpPr>
+          <p:nvPr>
+            <p:ph type="ftr" sz="quarter" idx="11"/>
+          </p:nvPr>
+        </p:nvSpPr>
+        <p:spPr>
+          <a:xfrm>
+            <a:off x="2524125" y="6421535"/>
+            <a:ext cx="5163628" cy="392015"/>
+          </a:xfrm>
+        </p:spPr>
+        <p:txBody>
+          <a:bodyPr/>
+          <a:lstStyle/>
+          <a:p>
+            <a:r>
+              <a:rPr lang="de-CH" sz="1200" b="1" dirty="0">
+                <a:latin typeface="Courier New" panose="02070309020205020404" pitchFamily="49" charset="0"/>
+                <a:cs typeface="Courier New" panose="02070309020205020404" pitchFamily="49" charset="0"/>
+              </a:rPr>
+              <a:t>https://rush-b.ch</a:t>
+            </a:r>
+          </a:p>
+        </p:txBody>
+      </p:sp>
+    </p:spTree>
+    <p:extLst>
+      <p:ext uri="{BB962C8B-B14F-4D97-AF65-F5344CB8AC3E}">
+        <p14:creationId xmlns:p14="http://schemas.microsoft.com/office/powerpoint/2010/main" val="2354616382"/>
+      </p:ext>
+    </p:extLst>
+  </p:cSld>
+  <p:clrMapOvr>
+    <a:masterClrMapping/>
+  </p:clrMapOvr>
+</p:sld>
+</file>
+
+<file path=ppt/slides/slide5.xml><?xml version="1.0" encoding="utf-8"?>
+<p:sld xmlns:a="http://schemas.openxmlformats.org/drawingml/2006/main" xmlns:r="http://schemas.openxmlformats.org/officeDocument/2006/relationships" xmlns:p="http://schemas.openxmlformats.org/presentationml/2006/main">
+  <p:cSld>
+    <p:spTree>
+      <p:nvGrpSpPr>
+        <p:cNvPr id="1" name=""/>
+        <p:cNvGrpSpPr/>
+        <p:nvPr/>
+      </p:nvGrpSpPr>
+      <p:grpSpPr>
+        <a:xfrm>
+          <a:off x="0" y="0"/>
+          <a:ext cx="0" cy="0"/>
+          <a:chOff x="0" y="0"/>
+          <a:chExt cx="0" cy="0"/>
+        </a:xfrm>
+      </p:grpSpPr>
+      <p:sp>
+        <p:nvSpPr>
+          <p:cNvPr id="2" name="Titel 1">
+            <a:extLst>
+              <a:ext uri="{FF2B5EF4-FFF2-40B4-BE49-F238E27FC236}">
+                <a16:creationId xmlns:a16="http://schemas.microsoft.com/office/drawing/2014/main" id="{7A180DBD-0B32-41C0-8107-4A8FC4CBBD3E}"/>
+              </a:ext>
+            </a:extLst>
+          </p:cNvPr>
+          <p:cNvSpPr>
+            <a:spLocks noGrp="1"/>
+          </p:cNvSpPr>
+          <p:nvPr>
+            <p:ph type="title"/>
+          </p:nvPr>
+        </p:nvSpPr>
+        <p:spPr/>
+        <p:txBody>
+          <a:bodyPr/>
+          <a:lstStyle/>
+          <a:p>
+            <a:r>
+              <a:rPr lang="de-CH" dirty="0"/>
+              <a:t>Eingesetzte Technologien</a:t>
+            </a:r>
+          </a:p>
+        </p:txBody>
+      </p:sp>
+      <p:sp>
+        <p:nvSpPr>
+          <p:cNvPr id="4" name="Datumsplatzhalter 3">
+            <a:extLst>
+              <a:ext uri="{FF2B5EF4-FFF2-40B4-BE49-F238E27FC236}">
+                <a16:creationId xmlns:a16="http://schemas.microsoft.com/office/drawing/2014/main" id="{5225426D-9A79-44F9-A435-DC5105B9F96B}"/>
+              </a:ext>
+            </a:extLst>
+          </p:cNvPr>
+          <p:cNvSpPr>
+            <a:spLocks noGrp="1"/>
+          </p:cNvSpPr>
+          <p:nvPr>
+            <p:ph type="dt" sz="half" idx="10"/>
+          </p:nvPr>
+        </p:nvSpPr>
+        <p:spPr/>
+        <p:txBody>
+          <a:bodyPr/>
+          <a:lstStyle/>
+          <a:p>
+            <a:fld id="{9B86E4C5-EEB4-4EFE-AF84-85ED5F15F813}" type="datetime1">
+              <a:rPr lang="de-CH" smtClean="0"/>
+              <a:t>06.12.2022</a:t>
+            </a:fld>
+            <a:endParaRPr lang="de-CH" dirty="0"/>
+          </a:p>
+        </p:txBody>
+      </p:sp>
+      <p:sp>
+        <p:nvSpPr>
+          <p:cNvPr id="6" name="Foliennummernplatzhalter 5">
+            <a:extLst>
+              <a:ext uri="{FF2B5EF4-FFF2-40B4-BE49-F238E27FC236}">
+                <a16:creationId xmlns:a16="http://schemas.microsoft.com/office/drawing/2014/main" id="{3ACC7847-3B15-4C90-B398-D619F66F621D}"/>
+              </a:ext>
+            </a:extLst>
+          </p:cNvPr>
+          <p:cNvSpPr>
+            <a:spLocks noGrp="1"/>
+          </p:cNvSpPr>
+          <p:nvPr>
+            <p:ph type="sldNum" sz="quarter" idx="12"/>
+          </p:nvPr>
+        </p:nvSpPr>
+        <p:spPr/>
+        <p:txBody>
+          <a:bodyPr/>
+          <a:lstStyle/>
+          <a:p>
+            <a:fld id="{D704E467-C06D-4A7A-98D0-E1E00465E11C}" type="slidenum">
+              <a:rPr lang="de-CH" smtClean="0"/>
+              <a:pPr/>
+              <a:t>5</a:t>
+            </a:fld>
+            <a:endParaRPr lang="de-CH" dirty="0"/>
+          </a:p>
+        </p:txBody>
+      </p:sp>
+      <p:pic>
+        <p:nvPicPr>
+          <p:cNvPr id="10" name="Grafik 9">
+            <a:extLst>
+              <a:ext uri="{FF2B5EF4-FFF2-40B4-BE49-F238E27FC236}">
+                <a16:creationId xmlns:a16="http://schemas.microsoft.com/office/drawing/2014/main" id="{1696C671-31CF-4FDA-B680-B3C14A0C0AF4}"/>
+              </a:ext>
+            </a:extLst>
+          </p:cNvPr>
+          <p:cNvPicPr>
+            <a:picLocks noChangeAspect="1"/>
+          </p:cNvPicPr>
+          <p:nvPr/>
+        </p:nvPicPr>
+        <p:blipFill>
+          <a:blip r:embed="rId2"/>
+          <a:stretch>
+            <a:fillRect/>
+          </a:stretch>
+        </p:blipFill>
+        <p:spPr>
+          <a:xfrm>
+            <a:off x="6396660" y="1987155"/>
+            <a:ext cx="2269357" cy="601283"/>
+          </a:xfrm>
+          <a:prstGeom prst="rect">
+            <a:avLst/>
+          </a:prstGeom>
+        </p:spPr>
+      </p:pic>
+      <p:pic>
+        <p:nvPicPr>
+          <p:cNvPr id="2050" name="Picture 2" descr="Java-Technologie – Wikipedia">
+            <a:extLst>
+              <a:ext uri="{FF2B5EF4-FFF2-40B4-BE49-F238E27FC236}">
+                <a16:creationId xmlns:a16="http://schemas.microsoft.com/office/drawing/2014/main" id="{0C1CD3A0-EB25-4161-84BE-8E8E628DD5F1}"/>
+              </a:ext>
+            </a:extLst>
+          </p:cNvPr>
+          <p:cNvPicPr>
+            <a:picLocks noChangeAspect="1" noChangeArrowheads="1"/>
+          </p:cNvPicPr>
+          <p:nvPr/>
+        </p:nvPicPr>
+        <p:blipFill>
+          <a:blip r:embed="rId3">
+            <a:extLst>
+              <a:ext uri="{28A0092B-C50C-407E-A947-70E740481C1C}">
+                <a14:useLocalDpi xmlns:a14="http://schemas.microsoft.com/office/drawing/2010/main" val="0"/>
+              </a:ext>
+            </a:extLst>
+          </a:blip>
+          <a:srcRect/>
+          <a:stretch>
+            <a:fillRect/>
+          </a:stretch>
+        </p:blipFill>
+        <p:spPr bwMode="auto">
+          <a:xfrm>
+            <a:off x="5717486" y="2106611"/>
+            <a:ext cx="679174" cy="1285728"/>
+          </a:xfrm>
+          <a:prstGeom prst="rect">
+            <a:avLst/>
+          </a:prstGeom>
+          <a:noFill/>
+          <a:extLst>
+            <a:ext uri="{909E8E84-426E-40DD-AFC4-6F175D3DCCD1}">
+              <a14:hiddenFill xmlns:a14="http://schemas.microsoft.com/office/drawing/2010/main">
+                <a:solidFill>
+                  <a:srgbClr val="FFFFFF"/>
+                </a:solidFill>
+              </a14:hiddenFill>
+            </a:ext>
+          </a:extLst>
+        </p:spPr>
+      </p:pic>
+      <p:pic>
+        <p:nvPicPr>
+          <p:cNvPr id="12" name="Grafik 11">
+            <a:extLst>
+              <a:ext uri="{FF2B5EF4-FFF2-40B4-BE49-F238E27FC236}">
+                <a16:creationId xmlns:a16="http://schemas.microsoft.com/office/drawing/2014/main" id="{FEECC8A5-500F-42BC-A9AE-5AE4215B5B8C}"/>
+              </a:ext>
+            </a:extLst>
+          </p:cNvPr>
+          <p:cNvPicPr>
+            <a:picLocks noChangeAspect="1"/>
+          </p:cNvPicPr>
+          <p:nvPr/>
+        </p:nvPicPr>
+        <p:blipFill>
+          <a:blip r:embed="rId4"/>
+          <a:stretch>
+            <a:fillRect/>
+          </a:stretch>
+        </p:blipFill>
+        <p:spPr>
+          <a:xfrm>
+            <a:off x="680816" y="2071038"/>
+            <a:ext cx="2342899" cy="530552"/>
+          </a:xfrm>
+          <a:prstGeom prst="rect">
+            <a:avLst/>
+          </a:prstGeom>
+        </p:spPr>
+      </p:pic>
+      <p:pic>
+        <p:nvPicPr>
+          <p:cNvPr id="2052" name="Picture 4" descr="Preact | Fandom Developers Wiki | Fandom">
+            <a:extLst>
+              <a:ext uri="{FF2B5EF4-FFF2-40B4-BE49-F238E27FC236}">
+                <a16:creationId xmlns:a16="http://schemas.microsoft.com/office/drawing/2014/main" id="{8F51847F-4546-42EB-A99A-D4393DAEB8CB}"/>
+              </a:ext>
+            </a:extLst>
+          </p:cNvPr>
+          <p:cNvPicPr>
+            <a:picLocks noChangeAspect="1" noChangeArrowheads="1"/>
+          </p:cNvPicPr>
+          <p:nvPr/>
+        </p:nvPicPr>
+        <p:blipFill>
+          <a:blip r:embed="rId5">
+            <a:extLst>
+              <a:ext uri="{28A0092B-C50C-407E-A947-70E740481C1C}">
+                <a14:useLocalDpi xmlns:a14="http://schemas.microsoft.com/office/drawing/2010/main" val="0"/>
+              </a:ext>
+            </a:extLst>
+          </a:blip>
+          <a:srcRect/>
+          <a:stretch>
+            <a:fillRect/>
+          </a:stretch>
+        </p:blipFill>
+        <p:spPr bwMode="auto">
+          <a:xfrm>
+            <a:off x="657504" y="2606557"/>
+            <a:ext cx="2366211" cy="712328"/>
+          </a:xfrm>
+          <a:prstGeom prst="rect">
+            <a:avLst/>
+          </a:prstGeom>
+          <a:noFill/>
+          <a:extLst>
+            <a:ext uri="{909E8E84-426E-40DD-AFC4-6F175D3DCCD1}">
+              <a14:hiddenFill xmlns:a14="http://schemas.microsoft.com/office/drawing/2010/main">
+                <a:solidFill>
+                  <a:srgbClr val="FFFFFF"/>
+                </a:solidFill>
+              </a14:hiddenFill>
+            </a:ext>
+          </a:extLst>
+        </p:spPr>
+      </p:pic>
+      <p:pic>
+        <p:nvPicPr>
+          <p:cNvPr id="2054" name="Picture 6" descr="Git – Wikipedia">
+            <a:extLst>
+              <a:ext uri="{FF2B5EF4-FFF2-40B4-BE49-F238E27FC236}">
+                <a16:creationId xmlns:a16="http://schemas.microsoft.com/office/drawing/2014/main" id="{3EF7FC66-2886-4B2B-8508-8DDC58347682}"/>
+              </a:ext>
+            </a:extLst>
+          </p:cNvPr>
+          <p:cNvPicPr>
+            <a:picLocks noChangeAspect="1" noChangeArrowheads="1"/>
+          </p:cNvPicPr>
+          <p:nvPr/>
+        </p:nvPicPr>
+        <p:blipFill>
+          <a:blip r:embed="rId6">
+            <a:extLst>
+              <a:ext uri="{28A0092B-C50C-407E-A947-70E740481C1C}">
+                <a14:useLocalDpi xmlns:a14="http://schemas.microsoft.com/office/drawing/2010/main" val="0"/>
+              </a:ext>
+            </a:extLst>
+          </a:blip>
+          <a:srcRect/>
+          <a:stretch>
+            <a:fillRect/>
+          </a:stretch>
+        </p:blipFill>
+        <p:spPr bwMode="auto">
+          <a:xfrm>
+            <a:off x="6300774" y="4479326"/>
+            <a:ext cx="940833" cy="392014"/>
+          </a:xfrm>
+          <a:prstGeom prst="rect">
+            <a:avLst/>
+          </a:prstGeom>
+          <a:noFill/>
+          <a:extLst>
+            <a:ext uri="{909E8E84-426E-40DD-AFC4-6F175D3DCCD1}">
+              <a14:hiddenFill xmlns:a14="http://schemas.microsoft.com/office/drawing/2010/main">
+                <a:solidFill>
+                  <a:srgbClr val="FFFFFF"/>
+                </a:solidFill>
+              </a14:hiddenFill>
+            </a:ext>
+          </a:extLst>
+        </p:spPr>
+      </p:pic>
+      <p:pic>
+        <p:nvPicPr>
+          <p:cNvPr id="2056" name="Picture 8" descr="Google – Wikipedia">
+            <a:extLst>
+              <a:ext uri="{FF2B5EF4-FFF2-40B4-BE49-F238E27FC236}">
+                <a16:creationId xmlns:a16="http://schemas.microsoft.com/office/drawing/2014/main" id="{34ABAE03-3868-48FC-B95A-3CFA12E86CD6}"/>
+              </a:ext>
+            </a:extLst>
+          </p:cNvPr>
+          <p:cNvPicPr>
+            <a:picLocks noChangeAspect="1" noChangeArrowheads="1"/>
+          </p:cNvPicPr>
+          <p:nvPr/>
+        </p:nvPicPr>
+        <p:blipFill>
+          <a:blip r:embed="rId7">
+            <a:extLst>
+              <a:ext uri="{28A0092B-C50C-407E-A947-70E740481C1C}">
+                <a14:useLocalDpi xmlns:a14="http://schemas.microsoft.com/office/drawing/2010/main" val="0"/>
+              </a:ext>
+            </a:extLst>
+          </a:blip>
+          <a:srcRect/>
+          <a:stretch>
+            <a:fillRect/>
+          </a:stretch>
+        </p:blipFill>
+        <p:spPr bwMode="auto">
+          <a:xfrm>
+            <a:off x="3935634" y="4541480"/>
+            <a:ext cx="1242777" cy="418553"/>
+          </a:xfrm>
+          <a:prstGeom prst="rect">
+            <a:avLst/>
+          </a:prstGeom>
+          <a:noFill/>
+          <a:extLst>
+            <a:ext uri="{909E8E84-426E-40DD-AFC4-6F175D3DCCD1}">
+              <a14:hiddenFill xmlns:a14="http://schemas.microsoft.com/office/drawing/2010/main">
+                <a:solidFill>
+                  <a:srgbClr val="FFFFFF"/>
+                </a:solidFill>
+              </a14:hiddenFill>
+            </a:ext>
+          </a:extLst>
+        </p:spPr>
+      </p:pic>
+      <p:pic>
+        <p:nvPicPr>
+          <p:cNvPr id="2058" name="Picture 10" descr="Docker at the next level - Holisticon">
+            <a:extLst>
+              <a:ext uri="{FF2B5EF4-FFF2-40B4-BE49-F238E27FC236}">
+                <a16:creationId xmlns:a16="http://schemas.microsoft.com/office/drawing/2014/main" id="{877B0D54-8A53-4B97-A9B1-F26066BEDDD4}"/>
+              </a:ext>
+            </a:extLst>
+          </p:cNvPr>
+          <p:cNvPicPr>
+            <a:picLocks noChangeAspect="1" noChangeArrowheads="1"/>
+          </p:cNvPicPr>
+          <p:nvPr/>
+        </p:nvPicPr>
+        <p:blipFill>
+          <a:blip r:embed="rId8">
+            <a:extLst>
+              <a:ext uri="{28A0092B-C50C-407E-A947-70E740481C1C}">
+                <a14:useLocalDpi xmlns:a14="http://schemas.microsoft.com/office/drawing/2010/main" val="0"/>
+              </a:ext>
+            </a:extLst>
+          </a:blip>
+          <a:srcRect/>
+          <a:stretch>
+            <a:fillRect/>
+          </a:stretch>
+        </p:blipFill>
+        <p:spPr bwMode="auto">
+          <a:xfrm>
+            <a:off x="3935634" y="3489513"/>
+            <a:ext cx="1185242" cy="1009651"/>
+          </a:xfrm>
+          <a:prstGeom prst="rect">
+            <a:avLst/>
+          </a:prstGeom>
+          <a:noFill/>
+          <a:extLst>
+            <a:ext uri="{909E8E84-426E-40DD-AFC4-6F175D3DCCD1}">
+              <a14:hiddenFill xmlns:a14="http://schemas.microsoft.com/office/drawing/2010/main">
+                <a:solidFill>
+                  <a:srgbClr val="FFFFFF"/>
+                </a:solidFill>
+              </a14:hiddenFill>
+            </a:ext>
+          </a:extLst>
+        </p:spPr>
+      </p:pic>
+      <p:pic>
+        <p:nvPicPr>
+          <p:cNvPr id="2060" name="Picture 12" descr="GitHub Download - 2022 Neueste Version">
+            <a:extLst>
+              <a:ext uri="{FF2B5EF4-FFF2-40B4-BE49-F238E27FC236}">
+                <a16:creationId xmlns:a16="http://schemas.microsoft.com/office/drawing/2014/main" id="{861A3853-A4BB-48A6-A850-6E60549222A5}"/>
+              </a:ext>
+            </a:extLst>
+          </p:cNvPr>
+          <p:cNvPicPr>
+            <a:picLocks noChangeAspect="1" noChangeArrowheads="1"/>
+          </p:cNvPicPr>
+          <p:nvPr/>
+        </p:nvPicPr>
+        <p:blipFill>
+          <a:blip r:embed="rId9">
+            <a:extLst>
+              <a:ext uri="{28A0092B-C50C-407E-A947-70E740481C1C}">
+                <a14:useLocalDpi xmlns:a14="http://schemas.microsoft.com/office/drawing/2010/main" val="0"/>
+              </a:ext>
+            </a:extLst>
+          </a:blip>
+          <a:srcRect/>
+          <a:stretch>
+            <a:fillRect/>
+          </a:stretch>
+        </p:blipFill>
+        <p:spPr bwMode="auto">
+          <a:xfrm>
+            <a:off x="6073149" y="3692026"/>
+            <a:ext cx="1273548" cy="713187"/>
+          </a:xfrm>
+          <a:prstGeom prst="rect">
+            <a:avLst/>
+          </a:prstGeom>
+          <a:noFill/>
+          <a:extLst>
+            <a:ext uri="{909E8E84-426E-40DD-AFC4-6F175D3DCCD1}">
+              <a14:hiddenFill xmlns:a14="http://schemas.microsoft.com/office/drawing/2010/main">
+                <a:solidFill>
+                  <a:srgbClr val="FFFFFF"/>
+                </a:solidFill>
+              </a14:hiddenFill>
+            </a:ext>
+          </a:extLst>
+        </p:spPr>
+      </p:pic>
+      <p:pic>
+        <p:nvPicPr>
+          <p:cNvPr id="2062" name="Picture 14" descr="Download IntelliJ IDEA: Die leistungsfähige und ergonomische Java-IDE von  JetBrains">
+            <a:extLst>
+              <a:ext uri="{FF2B5EF4-FFF2-40B4-BE49-F238E27FC236}">
+                <a16:creationId xmlns:a16="http://schemas.microsoft.com/office/drawing/2014/main" id="{32E3DF30-85C2-4327-A2D2-DEC883D8E0EE}"/>
+              </a:ext>
+            </a:extLst>
+          </p:cNvPr>
+          <p:cNvPicPr>
+            <a:picLocks noChangeAspect="1" noChangeArrowheads="1"/>
+          </p:cNvPicPr>
+          <p:nvPr/>
+        </p:nvPicPr>
+        <p:blipFill>
+          <a:blip r:embed="rId10">
+            <a:extLst>
+              <a:ext uri="{28A0092B-C50C-407E-A947-70E740481C1C}">
+                <a14:useLocalDpi xmlns:a14="http://schemas.microsoft.com/office/drawing/2010/main" val="0"/>
+              </a:ext>
+            </a:extLst>
+          </a:blip>
+          <a:srcRect/>
+          <a:stretch>
+            <a:fillRect/>
+          </a:stretch>
+        </p:blipFill>
+        <p:spPr bwMode="auto">
+          <a:xfrm>
+            <a:off x="7250802" y="3718984"/>
+            <a:ext cx="1119307" cy="1119307"/>
+          </a:xfrm>
+          <a:prstGeom prst="rect">
+            <a:avLst/>
+          </a:prstGeom>
+          <a:noFill/>
+          <a:extLst>
+            <a:ext uri="{909E8E84-426E-40DD-AFC4-6F175D3DCCD1}">
+              <a14:hiddenFill xmlns:a14="http://schemas.microsoft.com/office/drawing/2010/main">
+                <a:solidFill>
+                  <a:srgbClr val="FFFFFF"/>
+                </a:solidFill>
+              </a14:hiddenFill>
+            </a:ext>
+          </a:extLst>
+        </p:spPr>
+      </p:pic>
+      <p:pic>
+        <p:nvPicPr>
+          <p:cNvPr id="2068" name="Picture 20" descr="JavaScript — Wikipédia">
+            <a:extLst>
+              <a:ext uri="{FF2B5EF4-FFF2-40B4-BE49-F238E27FC236}">
+                <a16:creationId xmlns:a16="http://schemas.microsoft.com/office/drawing/2014/main" id="{6C93EE3C-7DF2-4FA8-997D-EA577EAAB9C0}"/>
+              </a:ext>
+            </a:extLst>
+          </p:cNvPr>
+          <p:cNvPicPr>
+            <a:picLocks noChangeAspect="1" noChangeArrowheads="1"/>
+          </p:cNvPicPr>
+          <p:nvPr/>
+        </p:nvPicPr>
+        <p:blipFill>
+          <a:blip r:embed="rId11">
+            <a:extLst>
+              <a:ext uri="{28A0092B-C50C-407E-A947-70E740481C1C}">
+                <a14:useLocalDpi xmlns:a14="http://schemas.microsoft.com/office/drawing/2010/main" val="0"/>
+              </a:ext>
+            </a:extLst>
+          </a:blip>
+          <a:srcRect/>
+          <a:stretch>
+            <a:fillRect/>
+          </a:stretch>
+        </p:blipFill>
+        <p:spPr bwMode="auto">
+          <a:xfrm>
+            <a:off x="2217625" y="3360023"/>
+            <a:ext cx="806090" cy="806090"/>
+          </a:xfrm>
+          <a:prstGeom prst="rect">
+            <a:avLst/>
+          </a:prstGeom>
+          <a:noFill/>
+          <a:extLst>
+            <a:ext uri="{909E8E84-426E-40DD-AFC4-6F175D3DCCD1}">
+              <a14:hiddenFill xmlns:a14="http://schemas.microsoft.com/office/drawing/2010/main">
+                <a:solidFill>
+                  <a:srgbClr val="FFFFFF"/>
+                </a:solidFill>
+              </a14:hiddenFill>
+            </a:ext>
+          </a:extLst>
+        </p:spPr>
+      </p:pic>
+      <p:pic>
+        <p:nvPicPr>
+          <p:cNvPr id="2070" name="Picture 22" descr="Spring Boot Tutorial">
+            <a:extLst>
+              <a:ext uri="{FF2B5EF4-FFF2-40B4-BE49-F238E27FC236}">
+                <a16:creationId xmlns:a16="http://schemas.microsoft.com/office/drawing/2014/main" id="{397F42E9-4F18-4449-88D0-6B80B46F0258}"/>
+              </a:ext>
+            </a:extLst>
+          </p:cNvPr>
+          <p:cNvPicPr>
+            <a:picLocks noChangeAspect="1" noChangeArrowheads="1"/>
+          </p:cNvPicPr>
+          <p:nvPr/>
+        </p:nvPicPr>
+        <p:blipFill>
+          <a:blip r:embed="rId12">
+            <a:extLst>
+              <a:ext uri="{28A0092B-C50C-407E-A947-70E740481C1C}">
+                <a14:useLocalDpi xmlns:a14="http://schemas.microsoft.com/office/drawing/2010/main" val="0"/>
+              </a:ext>
+            </a:extLst>
+          </a:blip>
+          <a:srcRect/>
+          <a:stretch>
+            <a:fillRect/>
+          </a:stretch>
+        </p:blipFill>
+        <p:spPr bwMode="auto">
+          <a:xfrm>
+            <a:off x="6396660" y="2555513"/>
+            <a:ext cx="1757074" cy="923881"/>
+          </a:xfrm>
+          <a:prstGeom prst="rect">
+            <a:avLst/>
+          </a:prstGeom>
+          <a:noFill/>
+          <a:extLst>
+            <a:ext uri="{909E8E84-426E-40DD-AFC4-6F175D3DCCD1}">
+              <a14:hiddenFill xmlns:a14="http://schemas.microsoft.com/office/drawing/2010/main">
+                <a:solidFill>
+                  <a:srgbClr val="FFFFFF"/>
+                </a:solidFill>
+              </a14:hiddenFill>
+            </a:ext>
+          </a:extLst>
+        </p:spPr>
+      </p:pic>
+      <p:pic>
+        <p:nvPicPr>
+          <p:cNvPr id="2072" name="Picture 24" descr="Hypertext Transfer Protocol – Wikipedia">
+            <a:extLst>
+              <a:ext uri="{FF2B5EF4-FFF2-40B4-BE49-F238E27FC236}">
+                <a16:creationId xmlns:a16="http://schemas.microsoft.com/office/drawing/2014/main" id="{DACEBE63-81B4-4DDA-B709-D4F07FA9443F}"/>
+              </a:ext>
+            </a:extLst>
+          </p:cNvPr>
+          <p:cNvPicPr>
+            <a:picLocks noChangeAspect="1" noChangeArrowheads="1"/>
+          </p:cNvPicPr>
+          <p:nvPr/>
+        </p:nvPicPr>
+        <p:blipFill>
+          <a:blip r:embed="rId13">
+            <a:extLst>
+              <a:ext uri="{28A0092B-C50C-407E-A947-70E740481C1C}">
+                <a14:useLocalDpi xmlns:a14="http://schemas.microsoft.com/office/drawing/2010/main" val="0"/>
+              </a:ext>
+            </a:extLst>
+          </a:blip>
+          <a:srcRect/>
+          <a:stretch>
+            <a:fillRect/>
+          </a:stretch>
+        </p:blipFill>
+        <p:spPr bwMode="auto">
+          <a:xfrm>
+            <a:off x="3975739" y="2568188"/>
+            <a:ext cx="1229464" cy="656782"/>
+          </a:xfrm>
+          <a:prstGeom prst="rect">
+            <a:avLst/>
+          </a:prstGeom>
+          <a:noFill/>
+          <a:extLst>
+            <a:ext uri="{909E8E84-426E-40DD-AFC4-6F175D3DCCD1}">
+              <a14:hiddenFill xmlns:a14="http://schemas.microsoft.com/office/drawing/2010/main">
+                <a:solidFill>
+                  <a:srgbClr val="FFFFFF"/>
+                </a:solidFill>
+              </a14:hiddenFill>
+            </a:ext>
+          </a:extLst>
+        </p:spPr>
+      </p:pic>
+      <p:pic>
+        <p:nvPicPr>
+          <p:cNvPr id="2074" name="Picture 26" descr="Bulma: Free, open source, and modern CSS framework based on Flexbox">
+            <a:extLst>
+              <a:ext uri="{FF2B5EF4-FFF2-40B4-BE49-F238E27FC236}">
+                <a16:creationId xmlns:a16="http://schemas.microsoft.com/office/drawing/2014/main" id="{E04BBF30-667A-4BD0-92EA-85F93E013A70}"/>
+              </a:ext>
+            </a:extLst>
+          </p:cNvPr>
+          <p:cNvPicPr>
+            <a:picLocks noChangeAspect="1" noChangeArrowheads="1"/>
+          </p:cNvPicPr>
+          <p:nvPr/>
+        </p:nvPicPr>
+        <p:blipFill>
+          <a:blip r:embed="rId14">
+            <a:extLst>
+              <a:ext uri="{28A0092B-C50C-407E-A947-70E740481C1C}">
+                <a14:useLocalDpi xmlns:a14="http://schemas.microsoft.com/office/drawing/2010/main" val="0"/>
+              </a:ext>
+            </a:extLst>
+          </a:blip>
+          <a:srcRect/>
+          <a:stretch>
+            <a:fillRect/>
+          </a:stretch>
+        </p:blipFill>
+        <p:spPr bwMode="auto">
+          <a:xfrm>
+            <a:off x="1088186" y="4234751"/>
+            <a:ext cx="1543075" cy="384054"/>
+          </a:xfrm>
+          <a:prstGeom prst="rect">
+            <a:avLst/>
+          </a:prstGeom>
+          <a:noFill/>
+          <a:extLst>
+            <a:ext uri="{909E8E84-426E-40DD-AFC4-6F175D3DCCD1}">
+              <a14:hiddenFill xmlns:a14="http://schemas.microsoft.com/office/drawing/2010/main">
+                <a:solidFill>
+                  <a:srgbClr val="FFFFFF"/>
+                </a:solidFill>
+              </a14:hiddenFill>
+            </a:ext>
+          </a:extLst>
+        </p:spPr>
+      </p:pic>
+      <p:pic>
+        <p:nvPicPr>
+          <p:cNvPr id="14" name="Grafik 13">
+            <a:extLst>
+              <a:ext uri="{FF2B5EF4-FFF2-40B4-BE49-F238E27FC236}">
+                <a16:creationId xmlns:a16="http://schemas.microsoft.com/office/drawing/2014/main" id="{B2F31039-4B7B-4C10-826B-6DB9E2C6C41A}"/>
+              </a:ext>
+            </a:extLst>
+          </p:cNvPr>
+          <p:cNvPicPr>
+            <a:picLocks noChangeAspect="1"/>
+          </p:cNvPicPr>
+          <p:nvPr/>
+        </p:nvPicPr>
+        <p:blipFill>
+          <a:blip r:embed="rId15"/>
+          <a:stretch>
+            <a:fillRect/>
+          </a:stretch>
+        </p:blipFill>
+        <p:spPr>
+          <a:xfrm>
+            <a:off x="3899680" y="2063362"/>
+            <a:ext cx="1366001" cy="463925"/>
+          </a:xfrm>
+          <a:prstGeom prst="rect">
+            <a:avLst/>
+          </a:prstGeom>
+        </p:spPr>
+      </p:pic>
+      <p:pic>
+        <p:nvPicPr>
+          <p:cNvPr id="2076" name="Picture 28" descr="Canvas of HTML5 and its utility | Geekboots">
+            <a:extLst>
+              <a:ext uri="{FF2B5EF4-FFF2-40B4-BE49-F238E27FC236}">
+                <a16:creationId xmlns:a16="http://schemas.microsoft.com/office/drawing/2014/main" id="{EF5E34FC-7EAE-4C92-9508-0789425E89D7}"/>
+              </a:ext>
+            </a:extLst>
+          </p:cNvPr>
+          <p:cNvPicPr>
+            <a:picLocks noChangeAspect="1" noChangeArrowheads="1"/>
+          </p:cNvPicPr>
+          <p:nvPr/>
+        </p:nvPicPr>
+        <p:blipFill>
+          <a:blip r:embed="rId16">
+            <a:extLst>
+              <a:ext uri="{28A0092B-C50C-407E-A947-70E740481C1C}">
+                <a14:useLocalDpi xmlns:a14="http://schemas.microsoft.com/office/drawing/2010/main" val="0"/>
+              </a:ext>
+            </a:extLst>
+          </a:blip>
+          <a:srcRect/>
+          <a:stretch>
+            <a:fillRect/>
+          </a:stretch>
+        </p:blipFill>
+        <p:spPr bwMode="auto">
+          <a:xfrm>
+            <a:off x="680817" y="3358506"/>
+            <a:ext cx="1441988" cy="807513"/>
+          </a:xfrm>
+          <a:prstGeom prst="rect">
+            <a:avLst/>
+          </a:prstGeom>
+          <a:noFill/>
+          <a:extLst>
+            <a:ext uri="{909E8E84-426E-40DD-AFC4-6F175D3DCCD1}">
+              <a14:hiddenFill xmlns:a14="http://schemas.microsoft.com/office/drawing/2010/main">
+                <a:solidFill>
+                  <a:srgbClr val="FFFFFF"/>
+                </a:solidFill>
+              </a14:hiddenFill>
+            </a:ext>
+          </a:extLst>
+        </p:spPr>
+      </p:pic>
+      <p:sp>
+        <p:nvSpPr>
+          <p:cNvPr id="30" name="Fußzeilenplatzhalter 4">
+            <a:extLst>
+              <a:ext uri="{FF2B5EF4-FFF2-40B4-BE49-F238E27FC236}">
+                <a16:creationId xmlns:a16="http://schemas.microsoft.com/office/drawing/2014/main" id="{78849D8A-95E8-4657-AB16-45043A80A9AA}"/>
+              </a:ext>
+            </a:extLst>
+          </p:cNvPr>
+          <p:cNvSpPr>
+            <a:spLocks noGrp="1"/>
+          </p:cNvSpPr>
+          <p:nvPr>
+            <p:ph type="ftr" sz="quarter" idx="11"/>
+          </p:nvPr>
+        </p:nvSpPr>
+        <p:spPr>
+          <a:xfrm>
+            <a:off x="2524125" y="6421535"/>
+            <a:ext cx="5163628" cy="392015"/>
+          </a:xfrm>
+        </p:spPr>
+        <p:txBody>
+          <a:bodyPr/>
+          <a:lstStyle/>
+          <a:p>
+            <a:r>
+              <a:rPr lang="de-CH" sz="1200" b="1" dirty="0">
+                <a:latin typeface="Courier New" panose="02070309020205020404" pitchFamily="49" charset="0"/>
+                <a:cs typeface="Courier New" panose="02070309020205020404" pitchFamily="49" charset="0"/>
+              </a:rPr>
+              <a:t>https://rush-b.ch</a:t>
+            </a:r>
+          </a:p>
+        </p:txBody>
+      </p:sp>
+    </p:spTree>
+    <p:extLst>
+      <p:ext uri="{BB962C8B-B14F-4D97-AF65-F5344CB8AC3E}">
+        <p14:creationId xmlns:p14="http://schemas.microsoft.com/office/powerpoint/2010/main" val="1662998130"/>
+      </p:ext>
+    </p:extLst>
+  </p:cSld>
+  <p:clrMapOvr>
+    <a:masterClrMapping/>
+  </p:clrMapOvr>
+</p:sld>
+</file>
+
+<file path=ppt/slides/slide6.xml><?xml version="1.0" encoding="utf-8"?>
+<p:sld xmlns:a="http://schemas.openxmlformats.org/drawingml/2006/main" xmlns:r="http://schemas.openxmlformats.org/officeDocument/2006/relationships" xmlns:p="http://schemas.openxmlformats.org/presentationml/2006/main">
+  <p:cSld>
+    <p:spTree>
+      <p:nvGrpSpPr>
+        <p:cNvPr id="1" name=""/>
+        <p:cNvGrpSpPr/>
+        <p:nvPr/>
+      </p:nvGrpSpPr>
+      <p:grpSpPr>
+        <a:xfrm>
+          <a:off x="0" y="0"/>
+          <a:ext cx="0" cy="0"/>
+          <a:chOff x="0" y="0"/>
+          <a:chExt cx="0" cy="0"/>
+        </a:xfrm>
+      </p:grpSpPr>
+      <p:sp>
+        <p:nvSpPr>
+          <p:cNvPr id="2" name="Titel 1">
+            <a:extLst>
+              <a:ext uri="{FF2B5EF4-FFF2-40B4-BE49-F238E27FC236}">
+                <a16:creationId xmlns:a16="http://schemas.microsoft.com/office/drawing/2014/main" id="{7A180DBD-0B32-41C0-8107-4A8FC4CBBD3E}"/>
+              </a:ext>
+            </a:extLst>
+          </p:cNvPr>
+          <p:cNvSpPr>
+            <a:spLocks noGrp="1"/>
+          </p:cNvSpPr>
+          <p:nvPr>
+            <p:ph type="title"/>
+          </p:nvPr>
+        </p:nvSpPr>
+        <p:spPr/>
+        <p:txBody>
+          <a:bodyPr/>
+          <a:lstStyle/>
+          <a:p>
+            <a:r>
+              <a:rPr lang="de-CH" dirty="0" err="1"/>
+              <a:t>Lessons</a:t>
+            </a:r>
+            <a:r>
+              <a:rPr lang="de-CH" dirty="0"/>
+              <a:t> </a:t>
+            </a:r>
+            <a:r>
+              <a:rPr lang="de-CH" dirty="0" err="1"/>
+              <a:t>Learned</a:t>
+            </a:r>
+            <a:endParaRPr lang="de-CH" dirty="0"/>
+          </a:p>
+        </p:txBody>
+      </p:sp>
+      <p:sp>
+        <p:nvSpPr>
+          <p:cNvPr id="3" name="Inhaltsplatzhalter 2">
+            <a:extLst>
+              <a:ext uri="{FF2B5EF4-FFF2-40B4-BE49-F238E27FC236}">
+                <a16:creationId xmlns:a16="http://schemas.microsoft.com/office/drawing/2014/main" id="{D83E6F60-189B-401E-8D9E-8DF5EEDF5B43}"/>
+              </a:ext>
+            </a:extLst>
+          </p:cNvPr>
+          <p:cNvSpPr>
+            <a:spLocks noGrp="1"/>
+          </p:cNvSpPr>
+          <p:nvPr>
+            <p:ph idx="1"/>
+          </p:nvPr>
+        </p:nvSpPr>
+        <p:spPr>
+          <a:xfrm>
+            <a:off x="477983" y="1825625"/>
+            <a:ext cx="4644031" cy="4351338"/>
+          </a:xfrm>
+        </p:spPr>
+        <p:txBody>
+          <a:bodyPr>
+            <a:normAutofit/>
+          </a:bodyPr>
+          <a:lstStyle/>
+          <a:p>
+            <a:r>
+              <a:rPr lang="de-CH" dirty="0"/>
+              <a:t>Planung mit Puffer macht mehr Spass gegen Ende</a:t>
+            </a:r>
+          </a:p>
+          <a:p>
+            <a:r>
+              <a:rPr lang="de-CH" dirty="0"/>
+              <a:t>Eine Formel alleine macht noch keine Mathematik</a:t>
+            </a:r>
+          </a:p>
+          <a:p>
+            <a:r>
+              <a:rPr lang="de-CH" dirty="0" err="1"/>
+              <a:t>TypeScript</a:t>
+            </a:r>
+            <a:r>
+              <a:rPr lang="de-CH" dirty="0"/>
+              <a:t> ist schwieriger, aber cooler als erwartet</a:t>
+            </a:r>
+          </a:p>
+          <a:p>
+            <a:r>
+              <a:rPr lang="de-CH" dirty="0"/>
+              <a:t>Kommunikation über Events erhöht Komplexität des Codes, ist aber ein sehr vielversprechender Ansatz</a:t>
+            </a:r>
+          </a:p>
+          <a:p>
+            <a:endParaRPr lang="de-CH" dirty="0"/>
+          </a:p>
+        </p:txBody>
+      </p:sp>
+      <p:sp>
+        <p:nvSpPr>
+          <p:cNvPr id="4" name="Datumsplatzhalter 3">
+            <a:extLst>
+              <a:ext uri="{FF2B5EF4-FFF2-40B4-BE49-F238E27FC236}">
+                <a16:creationId xmlns:a16="http://schemas.microsoft.com/office/drawing/2014/main" id="{5225426D-9A79-44F9-A435-DC5105B9F96B}"/>
+              </a:ext>
+            </a:extLst>
+          </p:cNvPr>
+          <p:cNvSpPr>
+            <a:spLocks noGrp="1"/>
+          </p:cNvSpPr>
+          <p:nvPr>
+            <p:ph type="dt" sz="half" idx="10"/>
+          </p:nvPr>
+        </p:nvSpPr>
+        <p:spPr/>
+        <p:txBody>
+          <a:bodyPr/>
+          <a:lstStyle/>
+          <a:p>
+            <a:fld id="{9B86E4C5-EEB4-4EFE-AF84-85ED5F15F813}" type="datetime1">
+              <a:rPr lang="de-CH" smtClean="0"/>
+              <a:t>06.12.2022</a:t>
+            </a:fld>
+            <a:endParaRPr lang="de-CH" dirty="0"/>
+          </a:p>
+        </p:txBody>
+      </p:sp>
+      <p:sp>
+        <p:nvSpPr>
+          <p:cNvPr id="6" name="Foliennummernplatzhalter 5">
+            <a:extLst>
+              <a:ext uri="{FF2B5EF4-FFF2-40B4-BE49-F238E27FC236}">
+                <a16:creationId xmlns:a16="http://schemas.microsoft.com/office/drawing/2014/main" id="{3ACC7847-3B15-4C90-B398-D619F66F621D}"/>
+              </a:ext>
+            </a:extLst>
+          </p:cNvPr>
+          <p:cNvSpPr>
+            <a:spLocks noGrp="1"/>
+          </p:cNvSpPr>
+          <p:nvPr>
+            <p:ph type="sldNum" sz="quarter" idx="12"/>
+          </p:nvPr>
+        </p:nvSpPr>
+        <p:spPr/>
+        <p:txBody>
+          <a:bodyPr/>
+          <a:lstStyle/>
+          <a:p>
+            <a:fld id="{D704E467-C06D-4A7A-98D0-E1E00465E11C}" type="slidenum">
+              <a:rPr lang="de-CH" smtClean="0"/>
+              <a:pPr/>
+              <a:t>6</a:t>
+            </a:fld>
+            <a:endParaRPr lang="de-CH" dirty="0"/>
+          </a:p>
+        </p:txBody>
+      </p:sp>
+      <p:sp>
+        <p:nvSpPr>
+          <p:cNvPr id="7" name="Fußzeilenplatzhalter 4">
+            <a:extLst>
+              <a:ext uri="{FF2B5EF4-FFF2-40B4-BE49-F238E27FC236}">
+                <a16:creationId xmlns:a16="http://schemas.microsoft.com/office/drawing/2014/main" id="{08D88ABA-07AF-45FB-B977-FC77EDE99AFE}"/>
+              </a:ext>
+            </a:extLst>
+          </p:cNvPr>
+          <p:cNvSpPr>
+            <a:spLocks noGrp="1"/>
+          </p:cNvSpPr>
+          <p:nvPr>
+            <p:ph type="ftr" sz="quarter" idx="11"/>
+          </p:nvPr>
+        </p:nvSpPr>
+        <p:spPr>
+          <a:xfrm>
+            <a:off x="2524125" y="6421535"/>
+            <a:ext cx="5163628" cy="392015"/>
+          </a:xfrm>
+        </p:spPr>
+        <p:txBody>
+          <a:bodyPr/>
+          <a:lstStyle/>
+          <a:p>
+            <a:r>
+              <a:rPr lang="de-CH" sz="1200" b="1" dirty="0">
+                <a:latin typeface="Courier New" panose="02070309020205020404" pitchFamily="49" charset="0"/>
+                <a:cs typeface="Courier New" panose="02070309020205020404" pitchFamily="49" charset="0"/>
+              </a:rPr>
+              <a:t>https://rush-b.ch</a:t>
+            </a:r>
+          </a:p>
+        </p:txBody>
+      </p:sp>
+    </p:spTree>
+    <p:extLst>
+      <p:ext uri="{BB962C8B-B14F-4D97-AF65-F5344CB8AC3E}">
+        <p14:creationId xmlns:p14="http://schemas.microsoft.com/office/powerpoint/2010/main" val="190973794"/>
+      </p:ext>
+    </p:extLst>
+  </p:cSld>
+  <p:clrMapOvr>
+    <a:masterClrMapping/>
+  </p:clrMapOvr>
+</p:sld>
+</file>
+
+<file path=ppt/slides/slide7.xml><?xml version="1.0" encoding="utf-8"?>
+<p:sld xmlns:a="http://schemas.openxmlformats.org/drawingml/2006/main" xmlns:r="http://schemas.openxmlformats.org/officeDocument/2006/relationships" xmlns:p="http://schemas.openxmlformats.org/presentationml/2006/main">
+  <p:cSld>
+    <p:spTree>
+      <p:nvGrpSpPr>
+        <p:cNvPr id="1" name=""/>
+        <p:cNvGrpSpPr/>
+        <p:nvPr/>
+      </p:nvGrpSpPr>
+      <p:grpSpPr>
+        <a:xfrm>
+          <a:off x="0" y="0"/>
+          <a:ext cx="0" cy="0"/>
+          <a:chOff x="0" y="0"/>
+          <a:chExt cx="0" cy="0"/>
+        </a:xfrm>
+      </p:grpSpPr>
+      <p:sp>
+        <p:nvSpPr>
+          <p:cNvPr id="2" name="Titel 1">
+            <a:extLst>
+              <a:ext uri="{FF2B5EF4-FFF2-40B4-BE49-F238E27FC236}">
+                <a16:creationId xmlns:a16="http://schemas.microsoft.com/office/drawing/2014/main" id="{7A180DBD-0B32-41C0-8107-4A8FC4CBBD3E}"/>
+              </a:ext>
+            </a:extLst>
+          </p:cNvPr>
+          <p:cNvSpPr>
+            <a:spLocks noGrp="1"/>
+          </p:cNvSpPr>
+          <p:nvPr>
+            <p:ph type="title"/>
+          </p:nvPr>
+        </p:nvSpPr>
+        <p:spPr/>
+        <p:txBody>
+          <a:bodyPr/>
+          <a:lstStyle/>
+          <a:p>
+            <a:r>
+              <a:rPr lang="de-CH" dirty="0"/>
+              <a:t>Demo</a:t>
+            </a:r>
+          </a:p>
+        </p:txBody>
+      </p:sp>
+      <p:sp>
+        <p:nvSpPr>
+          <p:cNvPr id="3" name="Inhaltsplatzhalter 2">
+            <a:extLst>
+              <a:ext uri="{FF2B5EF4-FFF2-40B4-BE49-F238E27FC236}">
+                <a16:creationId xmlns:a16="http://schemas.microsoft.com/office/drawing/2014/main" id="{D83E6F60-189B-401E-8D9E-8DF5EEDF5B43}"/>
+              </a:ext>
+            </a:extLst>
+          </p:cNvPr>
+          <p:cNvSpPr>
+            <a:spLocks noGrp="1"/>
+          </p:cNvSpPr>
+          <p:nvPr>
+            <p:ph idx="1"/>
+          </p:nvPr>
+        </p:nvSpPr>
+        <p:spPr>
+          <a:xfrm>
+            <a:off x="477983" y="1825625"/>
+            <a:ext cx="3059301" cy="4351338"/>
+          </a:xfrm>
+        </p:spPr>
+        <p:txBody>
+          <a:bodyPr>
+            <a:normAutofit/>
+          </a:bodyPr>
+          <a:lstStyle/>
+          <a:p>
+            <a:pPr marL="0" indent="0">
+              <a:buNone/>
+            </a:pPr>
+            <a:r>
+              <a:rPr lang="de-CH" dirty="0">
+                <a:hlinkClick r:id="rId2"/>
+              </a:rPr>
+              <a:t>https://rush-b.ch/</a:t>
+            </a:r>
+            <a:endParaRPr lang="de-CH" dirty="0"/>
+          </a:p>
+          <a:p>
+            <a:endParaRPr lang="de-CH" dirty="0"/>
+          </a:p>
+          <a:p>
+            <a:r>
+              <a:rPr lang="de-CH" dirty="0"/>
+              <a:t>Nickname eingeben</a:t>
+            </a:r>
+          </a:p>
+          <a:p>
+            <a:r>
+              <a:rPr lang="de-CH" dirty="0"/>
+              <a:t>Spiel gegen KI erstellen</a:t>
+            </a:r>
+          </a:p>
+          <a:p>
+            <a:r>
+              <a:rPr lang="de-CH" dirty="0"/>
+              <a:t>Navigation &amp; Spiel</a:t>
+            </a:r>
+          </a:p>
+          <a:p>
+            <a:r>
+              <a:rPr lang="de-CH" dirty="0"/>
+              <a:t>Spiel wird nach spätestens 2 Minuten automatisch beendet</a:t>
+            </a:r>
+          </a:p>
+          <a:p>
+            <a:r>
+              <a:rPr lang="de-CH" dirty="0"/>
+              <a:t>Spieler erhält Scores und kann zur Lobby zurück navigieren</a:t>
+            </a:r>
+          </a:p>
+          <a:p>
+            <a:pPr marL="0" indent="0">
+              <a:buNone/>
+            </a:pPr>
+            <a:endParaRPr lang="de-CH" dirty="0"/>
+          </a:p>
+        </p:txBody>
+      </p:sp>
+      <p:sp>
+        <p:nvSpPr>
+          <p:cNvPr id="4" name="Datumsplatzhalter 3">
+            <a:extLst>
+              <a:ext uri="{FF2B5EF4-FFF2-40B4-BE49-F238E27FC236}">
+                <a16:creationId xmlns:a16="http://schemas.microsoft.com/office/drawing/2014/main" id="{5225426D-9A79-44F9-A435-DC5105B9F96B}"/>
+              </a:ext>
+            </a:extLst>
+          </p:cNvPr>
+          <p:cNvSpPr>
+            <a:spLocks noGrp="1"/>
+          </p:cNvSpPr>
+          <p:nvPr>
+            <p:ph type="dt" sz="half" idx="10"/>
+          </p:nvPr>
+        </p:nvSpPr>
+        <p:spPr/>
+        <p:txBody>
+          <a:bodyPr/>
+          <a:lstStyle/>
+          <a:p>
+            <a:fld id="{9B86E4C5-EEB4-4EFE-AF84-85ED5F15F813}" type="datetime1">
+              <a:rPr lang="de-CH" smtClean="0"/>
+              <a:t>06.12.2022</a:t>
+            </a:fld>
+            <a:endParaRPr lang="de-CH" dirty="0"/>
+          </a:p>
+        </p:txBody>
+      </p:sp>
+      <p:sp>
+        <p:nvSpPr>
+          <p:cNvPr id="5" name="Fußzeilenplatzhalter 4">
+            <a:extLst>
+              <a:ext uri="{FF2B5EF4-FFF2-40B4-BE49-F238E27FC236}">
+                <a16:creationId xmlns:a16="http://schemas.microsoft.com/office/drawing/2014/main" id="{EF446B4F-4E39-4B57-A8B0-F47437964E48}"/>
+              </a:ext>
+            </a:extLst>
+          </p:cNvPr>
+          <p:cNvSpPr>
+            <a:spLocks noGrp="1"/>
+          </p:cNvSpPr>
+          <p:nvPr>
+            <p:ph type="ftr" sz="quarter" idx="11"/>
+          </p:nvPr>
+        </p:nvSpPr>
+        <p:spPr/>
+        <p:txBody>
+          <a:bodyPr/>
+          <a:lstStyle/>
+          <a:p>
+            <a:r>
+              <a:rPr lang="de-CH" sz="1200" b="1" dirty="0">
+                <a:latin typeface="Courier New" panose="02070309020205020404" pitchFamily="49" charset="0"/>
+                <a:cs typeface="Courier New" panose="02070309020205020404" pitchFamily="49" charset="0"/>
+              </a:rPr>
+              <a:t>https://rush-b.ch</a:t>
+            </a:r>
+          </a:p>
+        </p:txBody>
+      </p:sp>
+      <p:sp>
+        <p:nvSpPr>
+          <p:cNvPr id="6" name="Foliennummernplatzhalter 5">
+            <a:extLst>
+              <a:ext uri="{FF2B5EF4-FFF2-40B4-BE49-F238E27FC236}">
+                <a16:creationId xmlns:a16="http://schemas.microsoft.com/office/drawing/2014/main" id="{3ACC7847-3B15-4C90-B398-D619F66F621D}"/>
+              </a:ext>
+            </a:extLst>
+          </p:cNvPr>
+          <p:cNvSpPr>
+            <a:spLocks noGrp="1"/>
+          </p:cNvSpPr>
+          <p:nvPr>
+            <p:ph type="sldNum" sz="quarter" idx="12"/>
+          </p:nvPr>
+        </p:nvSpPr>
+        <p:spPr/>
+        <p:txBody>
+          <a:bodyPr/>
+          <a:lstStyle/>
+          <a:p>
+            <a:fld id="{D704E467-C06D-4A7A-98D0-E1E00465E11C}" type="slidenum">
+              <a:rPr lang="de-CH" smtClean="0"/>
+              <a:pPr/>
+              <a:t>7</a:t>
+            </a:fld>
+            <a:endParaRPr lang="de-CH" dirty="0"/>
+          </a:p>
+        </p:txBody>
+      </p:sp>
+      <p:pic>
+        <p:nvPicPr>
+          <p:cNvPr id="8" name="Grafik 7" descr="Ein Bild, das Text enthält.&#10;&#10;Automatisch generierte Beschreibung">
+            <a:extLst>
+              <a:ext uri="{FF2B5EF4-FFF2-40B4-BE49-F238E27FC236}">
+                <a16:creationId xmlns:a16="http://schemas.microsoft.com/office/drawing/2014/main" id="{C0FF2C9F-70B9-4F34-98E3-D83DEBEE2D7E}"/>
+              </a:ext>
+            </a:extLst>
+          </p:cNvPr>
+          <p:cNvPicPr>
+            <a:picLocks noChangeAspect="1"/>
+          </p:cNvPicPr>
+          <p:nvPr/>
+        </p:nvPicPr>
+        <p:blipFill>
+          <a:blip r:embed="rId3">
+            <a:extLst>
+              <a:ext uri="{28A0092B-C50C-407E-A947-70E740481C1C}">
+                <a14:useLocalDpi xmlns:a14="http://schemas.microsoft.com/office/drawing/2010/main" val="0"/>
+              </a:ext>
+            </a:extLst>
+          </a:blip>
+          <a:stretch>
+            <a:fillRect/>
+          </a:stretch>
+        </p:blipFill>
+        <p:spPr>
+          <a:xfrm>
+            <a:off x="3807448" y="1825625"/>
+            <a:ext cx="5071857" cy="3408094"/>
+          </a:xfrm>
+          <a:prstGeom prst="rect">
+            <a:avLst/>
+          </a:prstGeom>
+          <a:effectLst>
+            <a:glow rad="63500">
+              <a:schemeClr val="accent4">
+                <a:satMod val="175000"/>
+                <a:alpha val="40000"/>
+              </a:schemeClr>
+            </a:glow>
+          </a:effectLst>
+        </p:spPr>
+      </p:pic>
+    </p:spTree>
+    <p:extLst>
+      <p:ext uri="{BB962C8B-B14F-4D97-AF65-F5344CB8AC3E}">
+        <p14:creationId xmlns:p14="http://schemas.microsoft.com/office/powerpoint/2010/main" val="162240830"/>
       </p:ext>
     </p:extLst>
   </p:cSld>
